--- a/presentation/production.pptx
+++ b/presentation/production.pptx
@@ -6,21 +6,23 @@
     <p:sldMasterId id="2147483698" r:id="rId2"/>
   </p:sldMasterIdLst>
   <p:notesMasterIdLst>
-    <p:notesMasterId r:id="rId12"/>
+    <p:notesMasterId r:id="rId14"/>
   </p:notesMasterIdLst>
   <p:handoutMasterIdLst>
-    <p:handoutMasterId r:id="rId13"/>
+    <p:handoutMasterId r:id="rId15"/>
   </p:handoutMasterIdLst>
   <p:sldIdLst>
     <p:sldId id="265" r:id="rId3"/>
     <p:sldId id="257" r:id="rId4"/>
-    <p:sldId id="264" r:id="rId5"/>
-    <p:sldId id="258" r:id="rId6"/>
-    <p:sldId id="262" r:id="rId7"/>
-    <p:sldId id="266" r:id="rId8"/>
-    <p:sldId id="267" r:id="rId9"/>
-    <p:sldId id="268" r:id="rId10"/>
-    <p:sldId id="263" r:id="rId11"/>
+    <p:sldId id="269" r:id="rId5"/>
+    <p:sldId id="270" r:id="rId6"/>
+    <p:sldId id="264" r:id="rId7"/>
+    <p:sldId id="258" r:id="rId8"/>
+    <p:sldId id="262" r:id="rId9"/>
+    <p:sldId id="266" r:id="rId10"/>
+    <p:sldId id="267" r:id="rId11"/>
+    <p:sldId id="268" r:id="rId12"/>
+    <p:sldId id="263" r:id="rId13"/>
   </p:sldIdLst>
   <p:sldSz cx="9144000" cy="5143500" type="screen16x9"/>
   <p:notesSz cx="6858000" cy="9144000"/>
@@ -221,7 +223,7 @@
             <a:fld id="{19412975-4CFD-C441-A244-B7FD9A9579C2}" type="datetimeFigureOut">
               <a:rPr lang="en-US" smtClean="0"/>
               <a:pPr/>
-              <a:t>5/2/21</a:t>
+              <a:t>5/18/21</a:t>
             </a:fld>
             <a:endParaRPr lang="en-US"/>
           </a:p>
@@ -389,7 +391,7 @@
             <a:fld id="{6DAFD1C8-470D-774F-8B40-381C3059BD4A}" type="datetimeFigureOut">
               <a:rPr lang="en-US" smtClean="0"/>
               <a:pPr/>
-              <a:t>5/2/21</a:t>
+              <a:t>5/18/21</a:t>
             </a:fld>
             <a:endParaRPr lang="en-US"/>
           </a:p>
@@ -4644,6 +4646,142 @@
 </p:sld>
 </file>
 
+<file path=ppt/slides/slide10.xml><?xml version="1.0" encoding="utf-8"?>
+<p:sld xmlns:a="http://schemas.openxmlformats.org/drawingml/2006/main" xmlns:r="http://schemas.openxmlformats.org/officeDocument/2006/relationships" xmlns:p="http://schemas.openxmlformats.org/presentationml/2006/main">
+  <p:cSld>
+    <p:spTree>
+      <p:nvGrpSpPr>
+        <p:cNvPr id="1" name=""/>
+        <p:cNvGrpSpPr/>
+        <p:nvPr/>
+      </p:nvGrpSpPr>
+      <p:grpSpPr>
+        <a:xfrm>
+          <a:off x="0" y="0"/>
+          <a:ext cx="0" cy="0"/>
+          <a:chOff x="0" y="0"/>
+          <a:chExt cx="0" cy="0"/>
+        </a:xfrm>
+      </p:grpSpPr>
+    </p:spTree>
+    <p:extLst>
+      <p:ext uri="{BB962C8B-B14F-4D97-AF65-F5344CB8AC3E}">
+        <p14:creationId xmlns:p14="http://schemas.microsoft.com/office/powerpoint/2010/main" val="2290475877"/>
+      </p:ext>
+    </p:extLst>
+  </p:cSld>
+  <p:clrMapOvr>
+    <a:masterClrMapping/>
+  </p:clrMapOvr>
+</p:sld>
+</file>
+
+<file path=ppt/slides/slide11.xml><?xml version="1.0" encoding="utf-8"?>
+<p:sld xmlns:a="http://schemas.openxmlformats.org/drawingml/2006/main" xmlns:r="http://schemas.openxmlformats.org/officeDocument/2006/relationships" xmlns:p="http://schemas.openxmlformats.org/presentationml/2006/main">
+  <p:cSld>
+    <p:bg>
+      <p:bgPr>
+        <a:blipFill dpi="0" rotWithShape="1">
+          <a:blip r:embed="rId2">
+            <a:lum/>
+          </a:blip>
+          <a:srcRect/>
+          <a:stretch>
+            <a:fillRect/>
+          </a:stretch>
+        </a:blipFill>
+        <a:effectLst/>
+      </p:bgPr>
+    </p:bg>
+    <p:spTree>
+      <p:nvGrpSpPr>
+        <p:cNvPr id="1" name=""/>
+        <p:cNvGrpSpPr/>
+        <p:nvPr/>
+      </p:nvGrpSpPr>
+      <p:grpSpPr>
+        <a:xfrm>
+          <a:off x="0" y="0"/>
+          <a:ext cx="0" cy="0"/>
+          <a:chOff x="0" y="0"/>
+          <a:chExt cx="0" cy="0"/>
+        </a:xfrm>
+      </p:grpSpPr>
+      <p:sp>
+        <p:nvSpPr>
+          <p:cNvPr id="2" name="Title 1"/>
+          <p:cNvSpPr>
+            <a:spLocks noGrp="1"/>
+          </p:cNvSpPr>
+          <p:nvPr>
+            <p:ph type="title"/>
+          </p:nvPr>
+        </p:nvSpPr>
+        <p:spPr>
+          <a:xfrm>
+            <a:off x="457200" y="1700037"/>
+            <a:ext cx="8229600" cy="620483"/>
+          </a:xfrm>
+        </p:spPr>
+        <p:txBody>
+          <a:bodyPr/>
+          <a:lstStyle/>
+          <a:p>
+            <a:r>
+              <a:rPr lang="ru-RU" dirty="0"/>
+              <a:t>Спасибо за внимание</a:t>
+            </a:r>
+            <a:r>
+              <a:rPr lang="en-US" dirty="0"/>
+              <a:t>!</a:t>
+            </a:r>
+          </a:p>
+        </p:txBody>
+      </p:sp>
+      <p:sp>
+        <p:nvSpPr>
+          <p:cNvPr id="3" name="Text Placeholder 2"/>
+          <p:cNvSpPr>
+            <a:spLocks noGrp="1"/>
+          </p:cNvSpPr>
+          <p:nvPr>
+            <p:ph type="body" sz="quarter" idx="10"/>
+          </p:nvPr>
+        </p:nvSpPr>
+        <p:spPr>
+          <a:xfrm>
+            <a:off x="457200" y="2490643"/>
+            <a:ext cx="8229600" cy="594122"/>
+          </a:xfrm>
+        </p:spPr>
+        <p:txBody>
+          <a:bodyPr/>
+          <a:lstStyle/>
+          <a:p>
+            <a:r>
+              <a:rPr lang="en-US" dirty="0"/>
+              <a:t>www.</a:t>
+            </a:r>
+            <a:r>
+              <a:rPr lang="pl-PL" dirty="0"/>
+              <a:t>ifmo.ru</a:t>
+            </a:r>
+          </a:p>
+        </p:txBody>
+      </p:sp>
+    </p:spTree>
+    <p:extLst>
+      <p:ext uri="{BB962C8B-B14F-4D97-AF65-F5344CB8AC3E}">
+        <p14:creationId xmlns:p14="http://schemas.microsoft.com/office/powerpoint/2010/main" val="1864942597"/>
+      </p:ext>
+    </p:extLst>
+  </p:cSld>
+  <p:clrMapOvr>
+    <a:masterClrMapping/>
+  </p:clrMapOvr>
+</p:sld>
+</file>
+
 <file path=ppt/slides/slide2.xml><?xml version="1.0" encoding="utf-8"?>
 <p:sld xmlns:a="http://schemas.openxmlformats.org/drawingml/2006/main" xmlns:r="http://schemas.openxmlformats.org/officeDocument/2006/relationships" xmlns:p="http://schemas.openxmlformats.org/presentationml/2006/main">
   <p:cSld>
@@ -4735,6 +4873,41 @@
                 <a:srgbClr val="000000"/>
               </a:solidFill>
             </a:endParaRPr>
+          </a:p>
+        </p:txBody>
+      </p:sp>
+      <p:sp>
+        <p:nvSpPr>
+          <p:cNvPr id="4" name="TextBox 3">
+            <a:extLst>
+              <a:ext uri="{FF2B5EF4-FFF2-40B4-BE49-F238E27FC236}">
+                <a16:creationId xmlns:a16="http://schemas.microsoft.com/office/drawing/2014/main" id="{DE7BBB0B-A20B-8544-83F3-4B2E0F7BF6DD}"/>
+              </a:ext>
+            </a:extLst>
+          </p:cNvPr>
+          <p:cNvSpPr txBox="1"/>
+          <p:nvPr/>
+        </p:nvSpPr>
+        <p:spPr>
+          <a:xfrm>
+            <a:off x="8603311" y="4603805"/>
+            <a:ext cx="540689" cy="369332"/>
+          </a:xfrm>
+          <a:prstGeom prst="rect">
+            <a:avLst/>
+          </a:prstGeom>
+          <a:noFill/>
+        </p:spPr>
+        <p:txBody>
+          <a:bodyPr wrap="square" rtlCol="0">
+            <a:spAutoFit/>
+          </a:bodyPr>
+          <a:lstStyle/>
+          <a:p>
+            <a:r>
+              <a:rPr lang="ru-RU" dirty="0"/>
+              <a:t>2</a:t>
+            </a:r>
           </a:p>
         </p:txBody>
       </p:sp>
@@ -4778,6 +4951,290 @@
             <p:ph type="title"/>
           </p:nvPr>
         </p:nvSpPr>
+        <p:spPr/>
+        <p:txBody>
+          <a:bodyPr/>
+          <a:lstStyle/>
+          <a:p>
+            <a:r>
+              <a:rPr lang="ru-RU" dirty="0">
+                <a:solidFill>
+                  <a:srgbClr val="000000"/>
+                </a:solidFill>
+              </a:rPr>
+              <a:t>ТЕКСТ</a:t>
+            </a:r>
+            <a:endParaRPr lang="en-US" dirty="0">
+              <a:solidFill>
+                <a:srgbClr val="000000"/>
+              </a:solidFill>
+            </a:endParaRPr>
+          </a:p>
+        </p:txBody>
+      </p:sp>
+      <p:sp>
+        <p:nvSpPr>
+          <p:cNvPr id="3" name="Text Placeholder 2"/>
+          <p:cNvSpPr>
+            <a:spLocks noGrp="1"/>
+          </p:cNvSpPr>
+          <p:nvPr>
+            <p:ph type="body" sz="quarter" idx="10"/>
+          </p:nvPr>
+        </p:nvSpPr>
+        <p:spPr/>
+        <p:txBody>
+          <a:bodyPr/>
+          <a:lstStyle/>
+          <a:p>
+            <a:r>
+              <a:rPr lang="ru-RU" sz="2000" dirty="0">
+                <a:solidFill>
+                  <a:srgbClr val="000000"/>
+                </a:solidFill>
+              </a:rPr>
+              <a:t>ТЕКСТ </a:t>
+            </a:r>
+            <a:endParaRPr lang="en-US" sz="2000" dirty="0">
+              <a:solidFill>
+                <a:srgbClr val="000000"/>
+              </a:solidFill>
+            </a:endParaRPr>
+          </a:p>
+          <a:p>
+            <a:r>
+              <a:rPr lang="ru-RU" dirty="0">
+                <a:solidFill>
+                  <a:srgbClr val="000000"/>
+                </a:solidFill>
+              </a:rPr>
+              <a:t>ТЕКСТ</a:t>
+            </a:r>
+            <a:endParaRPr lang="en-US" dirty="0">
+              <a:solidFill>
+                <a:srgbClr val="000000"/>
+              </a:solidFill>
+            </a:endParaRPr>
+          </a:p>
+        </p:txBody>
+      </p:sp>
+      <p:sp>
+        <p:nvSpPr>
+          <p:cNvPr id="4" name="TextBox 3">
+            <a:extLst>
+              <a:ext uri="{FF2B5EF4-FFF2-40B4-BE49-F238E27FC236}">
+                <a16:creationId xmlns:a16="http://schemas.microsoft.com/office/drawing/2014/main" id="{DE7BBB0B-A20B-8544-83F3-4B2E0F7BF6DD}"/>
+              </a:ext>
+            </a:extLst>
+          </p:cNvPr>
+          <p:cNvSpPr txBox="1"/>
+          <p:nvPr/>
+        </p:nvSpPr>
+        <p:spPr>
+          <a:xfrm>
+            <a:off x="8603311" y="4603805"/>
+            <a:ext cx="540689" cy="369332"/>
+          </a:xfrm>
+          <a:prstGeom prst="rect">
+            <a:avLst/>
+          </a:prstGeom>
+          <a:noFill/>
+        </p:spPr>
+        <p:txBody>
+          <a:bodyPr wrap="square" rtlCol="0">
+            <a:spAutoFit/>
+          </a:bodyPr>
+          <a:lstStyle/>
+          <a:p>
+            <a:r>
+              <a:rPr lang="ru-RU" dirty="0"/>
+              <a:t>3</a:t>
+            </a:r>
+          </a:p>
+        </p:txBody>
+      </p:sp>
+    </p:spTree>
+    <p:extLst>
+      <p:ext uri="{BB962C8B-B14F-4D97-AF65-F5344CB8AC3E}">
+        <p14:creationId xmlns:p14="http://schemas.microsoft.com/office/powerpoint/2010/main" val="1718653990"/>
+      </p:ext>
+    </p:extLst>
+  </p:cSld>
+  <p:clrMapOvr>
+    <a:masterClrMapping/>
+  </p:clrMapOvr>
+</p:sld>
+</file>
+
+<file path=ppt/slides/slide4.xml><?xml version="1.0" encoding="utf-8"?>
+<p:sld xmlns:a="http://schemas.openxmlformats.org/drawingml/2006/main" xmlns:r="http://schemas.openxmlformats.org/officeDocument/2006/relationships" xmlns:p="http://schemas.openxmlformats.org/presentationml/2006/main">
+  <p:cSld>
+    <p:spTree>
+      <p:nvGrpSpPr>
+        <p:cNvPr id="1" name=""/>
+        <p:cNvGrpSpPr/>
+        <p:nvPr/>
+      </p:nvGrpSpPr>
+      <p:grpSpPr>
+        <a:xfrm>
+          <a:off x="0" y="0"/>
+          <a:ext cx="0" cy="0"/>
+          <a:chOff x="0" y="0"/>
+          <a:chExt cx="0" cy="0"/>
+        </a:xfrm>
+      </p:grpSpPr>
+      <p:sp>
+        <p:nvSpPr>
+          <p:cNvPr id="2" name="Title 1"/>
+          <p:cNvSpPr>
+            <a:spLocks noGrp="1"/>
+          </p:cNvSpPr>
+          <p:nvPr>
+            <p:ph type="title"/>
+          </p:nvPr>
+        </p:nvSpPr>
+        <p:spPr/>
+        <p:txBody>
+          <a:bodyPr/>
+          <a:lstStyle/>
+          <a:p>
+            <a:r>
+              <a:rPr lang="ru-RU" dirty="0">
+                <a:solidFill>
+                  <a:srgbClr val="000000"/>
+                </a:solidFill>
+              </a:rPr>
+              <a:t>ТЕКСТ</a:t>
+            </a:r>
+            <a:endParaRPr lang="en-US" dirty="0">
+              <a:solidFill>
+                <a:srgbClr val="000000"/>
+              </a:solidFill>
+            </a:endParaRPr>
+          </a:p>
+        </p:txBody>
+      </p:sp>
+      <p:sp>
+        <p:nvSpPr>
+          <p:cNvPr id="3" name="Text Placeholder 2"/>
+          <p:cNvSpPr>
+            <a:spLocks noGrp="1"/>
+          </p:cNvSpPr>
+          <p:nvPr>
+            <p:ph type="body" sz="quarter" idx="10"/>
+          </p:nvPr>
+        </p:nvSpPr>
+        <p:spPr/>
+        <p:txBody>
+          <a:bodyPr/>
+          <a:lstStyle/>
+          <a:p>
+            <a:r>
+              <a:rPr lang="ru-RU" sz="2000" dirty="0">
+                <a:solidFill>
+                  <a:srgbClr val="000000"/>
+                </a:solidFill>
+              </a:rPr>
+              <a:t>ТЕКСТ </a:t>
+            </a:r>
+            <a:endParaRPr lang="en-US" sz="2000" dirty="0">
+              <a:solidFill>
+                <a:srgbClr val="000000"/>
+              </a:solidFill>
+            </a:endParaRPr>
+          </a:p>
+          <a:p>
+            <a:r>
+              <a:rPr lang="ru-RU" dirty="0">
+                <a:solidFill>
+                  <a:srgbClr val="000000"/>
+                </a:solidFill>
+              </a:rPr>
+              <a:t>ТЕКСТ</a:t>
+            </a:r>
+            <a:endParaRPr lang="en-US" dirty="0">
+              <a:solidFill>
+                <a:srgbClr val="000000"/>
+              </a:solidFill>
+            </a:endParaRPr>
+          </a:p>
+        </p:txBody>
+      </p:sp>
+      <p:sp>
+        <p:nvSpPr>
+          <p:cNvPr id="4" name="TextBox 3">
+            <a:extLst>
+              <a:ext uri="{FF2B5EF4-FFF2-40B4-BE49-F238E27FC236}">
+                <a16:creationId xmlns:a16="http://schemas.microsoft.com/office/drawing/2014/main" id="{DE7BBB0B-A20B-8544-83F3-4B2E0F7BF6DD}"/>
+              </a:ext>
+            </a:extLst>
+          </p:cNvPr>
+          <p:cNvSpPr txBox="1"/>
+          <p:nvPr/>
+        </p:nvSpPr>
+        <p:spPr>
+          <a:xfrm>
+            <a:off x="8603311" y="4603805"/>
+            <a:ext cx="540689" cy="369332"/>
+          </a:xfrm>
+          <a:prstGeom prst="rect">
+            <a:avLst/>
+          </a:prstGeom>
+          <a:noFill/>
+        </p:spPr>
+        <p:txBody>
+          <a:bodyPr wrap="square" rtlCol="0">
+            <a:spAutoFit/>
+          </a:bodyPr>
+          <a:lstStyle/>
+          <a:p>
+            <a:r>
+              <a:rPr lang="ru-RU" dirty="0"/>
+              <a:t>4</a:t>
+            </a:r>
+          </a:p>
+        </p:txBody>
+      </p:sp>
+    </p:spTree>
+    <p:extLst>
+      <p:ext uri="{BB962C8B-B14F-4D97-AF65-F5344CB8AC3E}">
+        <p14:creationId xmlns:p14="http://schemas.microsoft.com/office/powerpoint/2010/main" val="905110238"/>
+      </p:ext>
+    </p:extLst>
+  </p:cSld>
+  <p:clrMapOvr>
+    <a:masterClrMapping/>
+  </p:clrMapOvr>
+</p:sld>
+</file>
+
+<file path=ppt/slides/slide5.xml><?xml version="1.0" encoding="utf-8"?>
+<p:sld xmlns:a="http://schemas.openxmlformats.org/drawingml/2006/main" xmlns:r="http://schemas.openxmlformats.org/officeDocument/2006/relationships" xmlns:p="http://schemas.openxmlformats.org/presentationml/2006/main">
+  <p:cSld>
+    <p:spTree>
+      <p:nvGrpSpPr>
+        <p:cNvPr id="1" name=""/>
+        <p:cNvGrpSpPr/>
+        <p:nvPr/>
+      </p:nvGrpSpPr>
+      <p:grpSpPr>
+        <a:xfrm>
+          <a:off x="0" y="0"/>
+          <a:ext cx="0" cy="0"/>
+          <a:chOff x="0" y="0"/>
+          <a:chExt cx="0" cy="0"/>
+        </a:xfrm>
+      </p:grpSpPr>
+      <p:sp>
+        <p:nvSpPr>
+          <p:cNvPr id="2" name="Title 1"/>
+          <p:cNvSpPr>
+            <a:spLocks noGrp="1"/>
+          </p:cNvSpPr>
+          <p:nvPr>
+            <p:ph type="title"/>
+          </p:nvPr>
+        </p:nvSpPr>
         <p:spPr>
           <a:xfrm>
             <a:off x="457200" y="753214"/>
@@ -4890,6 +5347,41 @@
               <a:t>Первый уровень списка</a:t>
             </a:r>
             <a:endParaRPr lang="en-US" dirty="0"/>
+          </a:p>
+        </p:txBody>
+      </p:sp>
+      <p:sp>
+        <p:nvSpPr>
+          <p:cNvPr id="5" name="TextBox 4">
+            <a:extLst>
+              <a:ext uri="{FF2B5EF4-FFF2-40B4-BE49-F238E27FC236}">
+                <a16:creationId xmlns:a16="http://schemas.microsoft.com/office/drawing/2014/main" id="{0D285E80-0E76-D54F-A579-24BD613AD3C1}"/>
+              </a:ext>
+            </a:extLst>
+          </p:cNvPr>
+          <p:cNvSpPr txBox="1"/>
+          <p:nvPr/>
+        </p:nvSpPr>
+        <p:spPr>
+          <a:xfrm>
+            <a:off x="8603311" y="4603805"/>
+            <a:ext cx="540689" cy="369332"/>
+          </a:xfrm>
+          <a:prstGeom prst="rect">
+            <a:avLst/>
+          </a:prstGeom>
+          <a:noFill/>
+        </p:spPr>
+        <p:txBody>
+          <a:bodyPr wrap="square" rtlCol="0">
+            <a:spAutoFit/>
+          </a:bodyPr>
+          <a:lstStyle/>
+          <a:p>
+            <a:r>
+              <a:rPr lang="ru-RU" dirty="0"/>
+              <a:t>2</a:t>
+            </a:r>
           </a:p>
         </p:txBody>
       </p:sp>
@@ -4906,7 +5398,7 @@
 </p:sld>
 </file>
 
-<file path=ppt/slides/slide4.xml><?xml version="1.0" encoding="utf-8"?>
+<file path=ppt/slides/slide6.xml><?xml version="1.0" encoding="utf-8"?>
 <p:sld xmlns:a="http://schemas.openxmlformats.org/drawingml/2006/main" xmlns:r="http://schemas.openxmlformats.org/officeDocument/2006/relationships" xmlns:p="http://schemas.openxmlformats.org/presentationml/2006/main">
   <p:cSld>
     <p:spTree>
@@ -5056,7 +5548,7 @@
 </p:sld>
 </file>
 
-<file path=ppt/slides/slide5.xml><?xml version="1.0" encoding="utf-8"?>
+<file path=ppt/slides/slide7.xml><?xml version="1.0" encoding="utf-8"?>
 <p:sld xmlns:a="http://schemas.openxmlformats.org/drawingml/2006/main" xmlns:r="http://schemas.openxmlformats.org/officeDocument/2006/relationships" xmlns:p="http://schemas.openxmlformats.org/presentationml/2006/main">
   <p:cSld>
     <p:spTree>
@@ -5223,7 +5715,7 @@
 </p:sld>
 </file>
 
-<file path=ppt/slides/slide6.xml><?xml version="1.0" encoding="utf-8"?>
+<file path=ppt/slides/slide8.xml><?xml version="1.0" encoding="utf-8"?>
 <p:sld xmlns:a="http://schemas.openxmlformats.org/drawingml/2006/main" xmlns:r="http://schemas.openxmlformats.org/officeDocument/2006/relationships" xmlns:p="http://schemas.openxmlformats.org/presentationml/2006/main">
   <p:cSld>
     <p:spTree>
@@ -5535,7 +6027,7 @@
 </p:sld>
 </file>
 
-<file path=ppt/slides/slide7.xml><?xml version="1.0" encoding="utf-8"?>
+<file path=ppt/slides/slide9.xml><?xml version="1.0" encoding="utf-8"?>
 <p:sld xmlns:a="http://schemas.openxmlformats.org/drawingml/2006/main" xmlns:r="http://schemas.openxmlformats.org/officeDocument/2006/relationships" xmlns:p="http://schemas.openxmlformats.org/presentationml/2006/main">
   <p:cSld>
     <p:spTree>
@@ -5727,142 +6219,6 @@
     <p:extLst>
       <p:ext uri="{BB962C8B-B14F-4D97-AF65-F5344CB8AC3E}">
         <p14:creationId xmlns:p14="http://schemas.microsoft.com/office/powerpoint/2010/main" val="2290475877"/>
-      </p:ext>
-    </p:extLst>
-  </p:cSld>
-  <p:clrMapOvr>
-    <a:masterClrMapping/>
-  </p:clrMapOvr>
-</p:sld>
-</file>
-
-<file path=ppt/slides/slide8.xml><?xml version="1.0" encoding="utf-8"?>
-<p:sld xmlns:a="http://schemas.openxmlformats.org/drawingml/2006/main" xmlns:r="http://schemas.openxmlformats.org/officeDocument/2006/relationships" xmlns:p="http://schemas.openxmlformats.org/presentationml/2006/main">
-  <p:cSld>
-    <p:spTree>
-      <p:nvGrpSpPr>
-        <p:cNvPr id="1" name=""/>
-        <p:cNvGrpSpPr/>
-        <p:nvPr/>
-      </p:nvGrpSpPr>
-      <p:grpSpPr>
-        <a:xfrm>
-          <a:off x="0" y="0"/>
-          <a:ext cx="0" cy="0"/>
-          <a:chOff x="0" y="0"/>
-          <a:chExt cx="0" cy="0"/>
-        </a:xfrm>
-      </p:grpSpPr>
-    </p:spTree>
-    <p:extLst>
-      <p:ext uri="{BB962C8B-B14F-4D97-AF65-F5344CB8AC3E}">
-        <p14:creationId xmlns:p14="http://schemas.microsoft.com/office/powerpoint/2010/main" val="2290475877"/>
-      </p:ext>
-    </p:extLst>
-  </p:cSld>
-  <p:clrMapOvr>
-    <a:masterClrMapping/>
-  </p:clrMapOvr>
-</p:sld>
-</file>
-
-<file path=ppt/slides/slide9.xml><?xml version="1.0" encoding="utf-8"?>
-<p:sld xmlns:a="http://schemas.openxmlformats.org/drawingml/2006/main" xmlns:r="http://schemas.openxmlformats.org/officeDocument/2006/relationships" xmlns:p="http://schemas.openxmlformats.org/presentationml/2006/main">
-  <p:cSld>
-    <p:bg>
-      <p:bgPr>
-        <a:blipFill dpi="0" rotWithShape="1">
-          <a:blip r:embed="rId2">
-            <a:lum/>
-          </a:blip>
-          <a:srcRect/>
-          <a:stretch>
-            <a:fillRect/>
-          </a:stretch>
-        </a:blipFill>
-        <a:effectLst/>
-      </p:bgPr>
-    </p:bg>
-    <p:spTree>
-      <p:nvGrpSpPr>
-        <p:cNvPr id="1" name=""/>
-        <p:cNvGrpSpPr/>
-        <p:nvPr/>
-      </p:nvGrpSpPr>
-      <p:grpSpPr>
-        <a:xfrm>
-          <a:off x="0" y="0"/>
-          <a:ext cx="0" cy="0"/>
-          <a:chOff x="0" y="0"/>
-          <a:chExt cx="0" cy="0"/>
-        </a:xfrm>
-      </p:grpSpPr>
-      <p:sp>
-        <p:nvSpPr>
-          <p:cNvPr id="2" name="Title 1"/>
-          <p:cNvSpPr>
-            <a:spLocks noGrp="1"/>
-          </p:cNvSpPr>
-          <p:nvPr>
-            <p:ph type="title"/>
-          </p:nvPr>
-        </p:nvSpPr>
-        <p:spPr>
-          <a:xfrm>
-            <a:off x="457200" y="1700037"/>
-            <a:ext cx="8229600" cy="620483"/>
-          </a:xfrm>
-        </p:spPr>
-        <p:txBody>
-          <a:bodyPr/>
-          <a:lstStyle/>
-          <a:p>
-            <a:r>
-              <a:rPr lang="ru-RU" dirty="0"/>
-              <a:t>Спасибо за внимание</a:t>
-            </a:r>
-            <a:r>
-              <a:rPr lang="en-US" dirty="0"/>
-              <a:t>!</a:t>
-            </a:r>
-          </a:p>
-        </p:txBody>
-      </p:sp>
-      <p:sp>
-        <p:nvSpPr>
-          <p:cNvPr id="3" name="Text Placeholder 2"/>
-          <p:cNvSpPr>
-            <a:spLocks noGrp="1"/>
-          </p:cNvSpPr>
-          <p:nvPr>
-            <p:ph type="body" sz="quarter" idx="10"/>
-          </p:nvPr>
-        </p:nvSpPr>
-        <p:spPr>
-          <a:xfrm>
-            <a:off x="457200" y="2490643"/>
-            <a:ext cx="8229600" cy="594122"/>
-          </a:xfrm>
-        </p:spPr>
-        <p:txBody>
-          <a:bodyPr/>
-          <a:lstStyle/>
-          <a:p>
-            <a:r>
-              <a:rPr lang="en-US" dirty="0"/>
-              <a:t>www.</a:t>
-            </a:r>
-            <a:r>
-              <a:rPr lang="pl-PL" dirty="0"/>
-              <a:t>ifmo.ru</a:t>
-            </a:r>
-          </a:p>
-        </p:txBody>
-      </p:sp>
-    </p:spTree>
-    <p:extLst>
-      <p:ext uri="{BB962C8B-B14F-4D97-AF65-F5344CB8AC3E}">
-        <p14:creationId xmlns:p14="http://schemas.microsoft.com/office/powerpoint/2010/main" val="1864942597"/>
       </p:ext>
     </p:extLst>
   </p:cSld>

--- a/presentation/production.pptx
+++ b/presentation/production.pptx
@@ -6,23 +6,25 @@
     <p:sldMasterId id="2147483698" r:id="rId2"/>
   </p:sldMasterIdLst>
   <p:notesMasterIdLst>
-    <p:notesMasterId r:id="rId14"/>
+    <p:notesMasterId r:id="rId16"/>
   </p:notesMasterIdLst>
   <p:handoutMasterIdLst>
-    <p:handoutMasterId r:id="rId15"/>
+    <p:handoutMasterId r:id="rId17"/>
   </p:handoutMasterIdLst>
   <p:sldIdLst>
     <p:sldId id="265" r:id="rId3"/>
     <p:sldId id="257" r:id="rId4"/>
     <p:sldId id="269" r:id="rId5"/>
     <p:sldId id="270" r:id="rId6"/>
-    <p:sldId id="264" r:id="rId7"/>
-    <p:sldId id="258" r:id="rId8"/>
-    <p:sldId id="262" r:id="rId9"/>
-    <p:sldId id="266" r:id="rId10"/>
-    <p:sldId id="267" r:id="rId11"/>
-    <p:sldId id="268" r:id="rId12"/>
-    <p:sldId id="263" r:id="rId13"/>
+    <p:sldId id="272" r:id="rId7"/>
+    <p:sldId id="273" r:id="rId8"/>
+    <p:sldId id="274" r:id="rId9"/>
+    <p:sldId id="275" r:id="rId10"/>
+    <p:sldId id="258" r:id="rId11"/>
+    <p:sldId id="262" r:id="rId12"/>
+    <p:sldId id="266" r:id="rId13"/>
+    <p:sldId id="267" r:id="rId14"/>
+    <p:sldId id="271" r:id="rId15"/>
   </p:sldIdLst>
   <p:sldSz cx="9144000" cy="5143500" type="screen16x9"/>
   <p:notesSz cx="6858000" cy="9144000"/>
@@ -223,7 +225,7 @@
             <a:fld id="{19412975-4CFD-C441-A244-B7FD9A9579C2}" type="datetimeFigureOut">
               <a:rPr lang="en-US" smtClean="0"/>
               <a:pPr/>
-              <a:t>5/18/21</a:t>
+              <a:t>5/19/21</a:t>
             </a:fld>
             <a:endParaRPr lang="en-US"/>
           </a:p>
@@ -391,7 +393,7 @@
             <a:fld id="{6DAFD1C8-470D-774F-8B40-381C3059BD4A}" type="datetimeFigureOut">
               <a:rPr lang="en-US" smtClean="0"/>
               <a:pPr/>
-              <a:t>5/18/21</a:t>
+              <a:t>5/19/21</a:t>
             </a:fld>
             <a:endParaRPr lang="en-US"/>
           </a:p>
@@ -4575,19 +4577,27 @@
         </p:nvSpPr>
         <p:spPr>
           <a:xfrm>
-            <a:off x="1371600" y="2104557"/>
-            <a:ext cx="6400800" cy="705749"/>
+            <a:off x="1371600" y="1754700"/>
+            <a:ext cx="6400800" cy="1386066"/>
           </a:xfrm>
         </p:spPr>
         <p:txBody>
           <a:bodyPr>
-            <a:normAutofit/>
+            <a:normAutofit fontScale="90000"/>
           </a:bodyPr>
           <a:lstStyle/>
           <a:p>
             <a:r>
-              <a:rPr lang="ru-RU" sz="4000" dirty="0"/>
-              <a:t>Название презентации</a:t>
+              <a:rPr lang="ru-RU" dirty="0"/>
+              <a:t>Разработка макета электропривода с бесконтактным моментным</a:t>
+            </a:r>
+            <a:r>
+              <a:rPr lang="en-US" dirty="0"/>
+              <a:t> </a:t>
+            </a:r>
+            <a:r>
+              <a:rPr lang="ru-RU" dirty="0"/>
+              <a:t>электродвигателем</a:t>
             </a:r>
             <a:endParaRPr lang="en-US" sz="4000" dirty="0"/>
           </a:p>
@@ -4603,7 +4613,12 @@
             <p:ph type="body" sz="quarter" idx="10"/>
           </p:nvPr>
         </p:nvSpPr>
-        <p:spPr/>
+        <p:spPr>
+          <a:xfrm>
+            <a:off x="1371600" y="3891648"/>
+            <a:ext cx="6400800" cy="462905"/>
+          </a:xfrm>
+        </p:spPr>
         <p:txBody>
           <a:bodyPr>
             <a:normAutofit fontScale="70000" lnSpcReduction="20000"/>
@@ -4619,7 +4634,7 @@
           <a:p>
             <a:r>
               <a:rPr lang="en-US" dirty="0" err="1"/>
-              <a:t>Vladivanov.dev</a:t>
+              <a:t>vladivanov.dev</a:t>
             </a:r>
             <a:r>
               <a:rPr lang="nl-NL" dirty="0"/>
@@ -4663,10 +4678,147 @@
           <a:chExt cx="0" cy="0"/>
         </a:xfrm>
       </p:grpSpPr>
+      <p:sp>
+        <p:nvSpPr>
+          <p:cNvPr id="3" name="Content Placeholder 2"/>
+          <p:cNvSpPr>
+            <a:spLocks noGrp="1"/>
+          </p:cNvSpPr>
+          <p:nvPr>
+            <p:ph sz="half" idx="1"/>
+          </p:nvPr>
+        </p:nvSpPr>
+        <p:spPr/>
+        <p:txBody>
+          <a:bodyPr>
+            <a:normAutofit/>
+          </a:bodyPr>
+          <a:lstStyle/>
+          <a:p>
+            <a:pPr>
+              <a:buClr>
+                <a:srgbClr val="1946BA"/>
+              </a:buClr>
+              <a:buFont typeface="Arial" pitchFamily="34" charset="0"/>
+              <a:buChar char="•"/>
+            </a:pPr>
+            <a:r>
+              <a:rPr lang="ru-RU" dirty="0"/>
+              <a:t>Первый уровень списка</a:t>
+            </a:r>
+            <a:endParaRPr lang="en-US" dirty="0"/>
+          </a:p>
+          <a:p>
+            <a:pPr lvl="1">
+              <a:buClr>
+                <a:srgbClr val="1946BA"/>
+              </a:buClr>
+            </a:pPr>
+            <a:r>
+              <a:rPr lang="ru-RU" dirty="0"/>
+              <a:t>Второй уровень списка</a:t>
+            </a:r>
+            <a:endParaRPr lang="en-US" dirty="0"/>
+          </a:p>
+          <a:p>
+            <a:pPr lvl="2">
+              <a:buClr>
+                <a:srgbClr val="1946BA"/>
+              </a:buClr>
+            </a:pPr>
+            <a:r>
+              <a:rPr lang="ru-RU" dirty="0"/>
+              <a:t>Третий уровень списка</a:t>
+            </a:r>
+            <a:endParaRPr lang="en-US" dirty="0"/>
+          </a:p>
+          <a:p>
+            <a:pPr>
+              <a:buClr>
+                <a:srgbClr val="1946BA"/>
+              </a:buClr>
+            </a:pPr>
+            <a:endParaRPr lang="en-US" dirty="0"/>
+          </a:p>
+          <a:p>
+            <a:pPr>
+              <a:buClr>
+                <a:srgbClr val="1946BA"/>
+              </a:buClr>
+              <a:buFont typeface="Arial" pitchFamily="34" charset="0"/>
+              <a:buChar char="•"/>
+            </a:pPr>
+            <a:r>
+              <a:rPr lang="ru-RU" dirty="0"/>
+              <a:t>Первый уровень списка</a:t>
+            </a:r>
+            <a:endParaRPr lang="en-US" dirty="0"/>
+          </a:p>
+        </p:txBody>
+      </p:sp>
+      <p:sp>
+        <p:nvSpPr>
+          <p:cNvPr id="2" name="Title 1"/>
+          <p:cNvSpPr>
+            <a:spLocks noGrp="1"/>
+          </p:cNvSpPr>
+          <p:nvPr>
+            <p:ph type="title"/>
+          </p:nvPr>
+        </p:nvSpPr>
+        <p:spPr/>
+        <p:txBody>
+          <a:bodyPr>
+            <a:normAutofit/>
+          </a:bodyPr>
+          <a:lstStyle/>
+          <a:p>
+            <a:r>
+              <a:rPr lang="ru-RU" dirty="0"/>
+              <a:t>Заголовок</a:t>
+            </a:r>
+            <a:endParaRPr lang="en-US" dirty="0"/>
+          </a:p>
+        </p:txBody>
+      </p:sp>
+      <p:sp>
+        <p:nvSpPr>
+          <p:cNvPr id="5" name="Рисунок 4"/>
+          <p:cNvSpPr>
+            <a:spLocks noGrp="1"/>
+          </p:cNvSpPr>
+          <p:nvPr>
+            <p:ph type="pic" sz="quarter" idx="10"/>
+          </p:nvPr>
+        </p:nvSpPr>
+        <p:spPr>
+          <a:xfrm>
+            <a:off x="5659438" y="1487073"/>
+            <a:ext cx="3027362" cy="1414463"/>
+          </a:xfrm>
+        </p:spPr>
+      </p:sp>
+      <p:sp>
+        <p:nvSpPr>
+          <p:cNvPr id="9" name="Рисунок 8"/>
+          <p:cNvSpPr>
+            <a:spLocks noGrp="1"/>
+          </p:cNvSpPr>
+          <p:nvPr>
+            <p:ph type="pic" sz="quarter" idx="11"/>
+          </p:nvPr>
+        </p:nvSpPr>
+        <p:spPr>
+          <a:xfrm>
+            <a:off x="5659438" y="3015835"/>
+            <a:ext cx="3027362" cy="1414463"/>
+          </a:xfrm>
+        </p:spPr>
+      </p:sp>
     </p:spTree>
     <p:extLst>
       <p:ext uri="{BB962C8B-B14F-4D97-AF65-F5344CB8AC3E}">
-        <p14:creationId xmlns:p14="http://schemas.microsoft.com/office/powerpoint/2010/main" val="2290475877"/>
+        <p14:creationId xmlns:p14="http://schemas.microsoft.com/office/powerpoint/2010/main" val="238712034"/>
       </p:ext>
     </p:extLst>
   </p:cSld>
@@ -4677,112 +4829,6 @@
 </file>
 
 <file path=ppt/slides/slide11.xml><?xml version="1.0" encoding="utf-8"?>
-<p:sld xmlns:a="http://schemas.openxmlformats.org/drawingml/2006/main" xmlns:r="http://schemas.openxmlformats.org/officeDocument/2006/relationships" xmlns:p="http://schemas.openxmlformats.org/presentationml/2006/main">
-  <p:cSld>
-    <p:bg>
-      <p:bgPr>
-        <a:blipFill dpi="0" rotWithShape="1">
-          <a:blip r:embed="rId2">
-            <a:lum/>
-          </a:blip>
-          <a:srcRect/>
-          <a:stretch>
-            <a:fillRect/>
-          </a:stretch>
-        </a:blipFill>
-        <a:effectLst/>
-      </p:bgPr>
-    </p:bg>
-    <p:spTree>
-      <p:nvGrpSpPr>
-        <p:cNvPr id="1" name=""/>
-        <p:cNvGrpSpPr/>
-        <p:nvPr/>
-      </p:nvGrpSpPr>
-      <p:grpSpPr>
-        <a:xfrm>
-          <a:off x="0" y="0"/>
-          <a:ext cx="0" cy="0"/>
-          <a:chOff x="0" y="0"/>
-          <a:chExt cx="0" cy="0"/>
-        </a:xfrm>
-      </p:grpSpPr>
-      <p:sp>
-        <p:nvSpPr>
-          <p:cNvPr id="2" name="Title 1"/>
-          <p:cNvSpPr>
-            <a:spLocks noGrp="1"/>
-          </p:cNvSpPr>
-          <p:nvPr>
-            <p:ph type="title"/>
-          </p:nvPr>
-        </p:nvSpPr>
-        <p:spPr>
-          <a:xfrm>
-            <a:off x="457200" y="1700037"/>
-            <a:ext cx="8229600" cy="620483"/>
-          </a:xfrm>
-        </p:spPr>
-        <p:txBody>
-          <a:bodyPr/>
-          <a:lstStyle/>
-          <a:p>
-            <a:r>
-              <a:rPr lang="ru-RU" dirty="0"/>
-              <a:t>Спасибо за внимание</a:t>
-            </a:r>
-            <a:r>
-              <a:rPr lang="en-US" dirty="0"/>
-              <a:t>!</a:t>
-            </a:r>
-          </a:p>
-        </p:txBody>
-      </p:sp>
-      <p:sp>
-        <p:nvSpPr>
-          <p:cNvPr id="3" name="Text Placeholder 2"/>
-          <p:cNvSpPr>
-            <a:spLocks noGrp="1"/>
-          </p:cNvSpPr>
-          <p:nvPr>
-            <p:ph type="body" sz="quarter" idx="10"/>
-          </p:nvPr>
-        </p:nvSpPr>
-        <p:spPr>
-          <a:xfrm>
-            <a:off x="457200" y="2490643"/>
-            <a:ext cx="8229600" cy="594122"/>
-          </a:xfrm>
-        </p:spPr>
-        <p:txBody>
-          <a:bodyPr/>
-          <a:lstStyle/>
-          <a:p>
-            <a:r>
-              <a:rPr lang="en-US" dirty="0"/>
-              <a:t>www.</a:t>
-            </a:r>
-            <a:r>
-              <a:rPr lang="pl-PL" dirty="0"/>
-              <a:t>ifmo.ru</a:t>
-            </a:r>
-          </a:p>
-        </p:txBody>
-      </p:sp>
-    </p:spTree>
-    <p:extLst>
-      <p:ext uri="{BB962C8B-B14F-4D97-AF65-F5344CB8AC3E}">
-        <p14:creationId xmlns:p14="http://schemas.microsoft.com/office/powerpoint/2010/main" val="1864942597"/>
-      </p:ext>
-    </p:extLst>
-  </p:cSld>
-  <p:clrMapOvr>
-    <a:masterClrMapping/>
-  </p:clrMapOvr>
-</p:sld>
-</file>
-
-<file path=ppt/slides/slide2.xml><?xml version="1.0" encoding="utf-8"?>
 <p:sld xmlns:a="http://schemas.openxmlformats.org/drawingml/2006/main" xmlns:r="http://schemas.openxmlformats.org/officeDocument/2006/relationships" xmlns:p="http://schemas.openxmlformats.org/presentationml/2006/main">
   <p:cSld>
     <p:spTree>
@@ -4801,939 +4847,6 @@
       </p:grpSpPr>
       <p:sp>
         <p:nvSpPr>
-          <p:cNvPr id="2" name="Title 1"/>
-          <p:cNvSpPr>
-            <a:spLocks noGrp="1"/>
-          </p:cNvSpPr>
-          <p:nvPr>
-            <p:ph type="title"/>
-          </p:nvPr>
-        </p:nvSpPr>
-        <p:spPr/>
-        <p:txBody>
-          <a:bodyPr/>
-          <a:lstStyle/>
-          <a:p>
-            <a:r>
-              <a:rPr lang="ru-RU" dirty="0">
-                <a:solidFill>
-                  <a:srgbClr val="000000"/>
-                </a:solidFill>
-              </a:rPr>
-              <a:t>ТЕКСТ</a:t>
-            </a:r>
-            <a:endParaRPr lang="en-US" dirty="0">
-              <a:solidFill>
-                <a:srgbClr val="000000"/>
-              </a:solidFill>
-            </a:endParaRPr>
-          </a:p>
-        </p:txBody>
-      </p:sp>
-      <p:sp>
-        <p:nvSpPr>
-          <p:cNvPr id="3" name="Text Placeholder 2"/>
-          <p:cNvSpPr>
-            <a:spLocks noGrp="1"/>
-          </p:cNvSpPr>
-          <p:nvPr>
-            <p:ph type="body" sz="quarter" idx="10"/>
-          </p:nvPr>
-        </p:nvSpPr>
-        <p:spPr/>
-        <p:txBody>
-          <a:bodyPr/>
-          <a:lstStyle/>
-          <a:p>
-            <a:r>
-              <a:rPr lang="ru-RU" sz="2000" dirty="0">
-                <a:solidFill>
-                  <a:srgbClr val="000000"/>
-                </a:solidFill>
-              </a:rPr>
-              <a:t>ТЕКСТ </a:t>
-            </a:r>
-            <a:endParaRPr lang="en-US" sz="2000" dirty="0">
-              <a:solidFill>
-                <a:srgbClr val="000000"/>
-              </a:solidFill>
-            </a:endParaRPr>
-          </a:p>
-          <a:p>
-            <a:r>
-              <a:rPr lang="ru-RU" dirty="0">
-                <a:solidFill>
-                  <a:srgbClr val="000000"/>
-                </a:solidFill>
-              </a:rPr>
-              <a:t>ТЕКСТ</a:t>
-            </a:r>
-            <a:endParaRPr lang="en-US" dirty="0">
-              <a:solidFill>
-                <a:srgbClr val="000000"/>
-              </a:solidFill>
-            </a:endParaRPr>
-          </a:p>
-        </p:txBody>
-      </p:sp>
-      <p:sp>
-        <p:nvSpPr>
-          <p:cNvPr id="4" name="TextBox 3">
-            <a:extLst>
-              <a:ext uri="{FF2B5EF4-FFF2-40B4-BE49-F238E27FC236}">
-                <a16:creationId xmlns:a16="http://schemas.microsoft.com/office/drawing/2014/main" id="{DE7BBB0B-A20B-8544-83F3-4B2E0F7BF6DD}"/>
-              </a:ext>
-            </a:extLst>
-          </p:cNvPr>
-          <p:cNvSpPr txBox="1"/>
-          <p:nvPr/>
-        </p:nvSpPr>
-        <p:spPr>
-          <a:xfrm>
-            <a:off x="8603311" y="4603805"/>
-            <a:ext cx="540689" cy="369332"/>
-          </a:xfrm>
-          <a:prstGeom prst="rect">
-            <a:avLst/>
-          </a:prstGeom>
-          <a:noFill/>
-        </p:spPr>
-        <p:txBody>
-          <a:bodyPr wrap="square" rtlCol="0">
-            <a:spAutoFit/>
-          </a:bodyPr>
-          <a:lstStyle/>
-          <a:p>
-            <a:r>
-              <a:rPr lang="ru-RU" dirty="0"/>
-              <a:t>2</a:t>
-            </a:r>
-          </a:p>
-        </p:txBody>
-      </p:sp>
-    </p:spTree>
-    <p:extLst>
-      <p:ext uri="{BB962C8B-B14F-4D97-AF65-F5344CB8AC3E}">
-        <p14:creationId xmlns:p14="http://schemas.microsoft.com/office/powerpoint/2010/main" val="3472064595"/>
-      </p:ext>
-    </p:extLst>
-  </p:cSld>
-  <p:clrMapOvr>
-    <a:masterClrMapping/>
-  </p:clrMapOvr>
-</p:sld>
-</file>
-
-<file path=ppt/slides/slide3.xml><?xml version="1.0" encoding="utf-8"?>
-<p:sld xmlns:a="http://schemas.openxmlformats.org/drawingml/2006/main" xmlns:r="http://schemas.openxmlformats.org/officeDocument/2006/relationships" xmlns:p="http://schemas.openxmlformats.org/presentationml/2006/main">
-  <p:cSld>
-    <p:spTree>
-      <p:nvGrpSpPr>
-        <p:cNvPr id="1" name=""/>
-        <p:cNvGrpSpPr/>
-        <p:nvPr/>
-      </p:nvGrpSpPr>
-      <p:grpSpPr>
-        <a:xfrm>
-          <a:off x="0" y="0"/>
-          <a:ext cx="0" cy="0"/>
-          <a:chOff x="0" y="0"/>
-          <a:chExt cx="0" cy="0"/>
-        </a:xfrm>
-      </p:grpSpPr>
-      <p:sp>
-        <p:nvSpPr>
-          <p:cNvPr id="2" name="Title 1"/>
-          <p:cNvSpPr>
-            <a:spLocks noGrp="1"/>
-          </p:cNvSpPr>
-          <p:nvPr>
-            <p:ph type="title"/>
-          </p:nvPr>
-        </p:nvSpPr>
-        <p:spPr/>
-        <p:txBody>
-          <a:bodyPr/>
-          <a:lstStyle/>
-          <a:p>
-            <a:r>
-              <a:rPr lang="ru-RU" dirty="0">
-                <a:solidFill>
-                  <a:srgbClr val="000000"/>
-                </a:solidFill>
-              </a:rPr>
-              <a:t>ТЕКСТ</a:t>
-            </a:r>
-            <a:endParaRPr lang="en-US" dirty="0">
-              <a:solidFill>
-                <a:srgbClr val="000000"/>
-              </a:solidFill>
-            </a:endParaRPr>
-          </a:p>
-        </p:txBody>
-      </p:sp>
-      <p:sp>
-        <p:nvSpPr>
-          <p:cNvPr id="3" name="Text Placeholder 2"/>
-          <p:cNvSpPr>
-            <a:spLocks noGrp="1"/>
-          </p:cNvSpPr>
-          <p:nvPr>
-            <p:ph type="body" sz="quarter" idx="10"/>
-          </p:nvPr>
-        </p:nvSpPr>
-        <p:spPr/>
-        <p:txBody>
-          <a:bodyPr/>
-          <a:lstStyle/>
-          <a:p>
-            <a:r>
-              <a:rPr lang="ru-RU" sz="2000" dirty="0">
-                <a:solidFill>
-                  <a:srgbClr val="000000"/>
-                </a:solidFill>
-              </a:rPr>
-              <a:t>ТЕКСТ </a:t>
-            </a:r>
-            <a:endParaRPr lang="en-US" sz="2000" dirty="0">
-              <a:solidFill>
-                <a:srgbClr val="000000"/>
-              </a:solidFill>
-            </a:endParaRPr>
-          </a:p>
-          <a:p>
-            <a:r>
-              <a:rPr lang="ru-RU" dirty="0">
-                <a:solidFill>
-                  <a:srgbClr val="000000"/>
-                </a:solidFill>
-              </a:rPr>
-              <a:t>ТЕКСТ</a:t>
-            </a:r>
-            <a:endParaRPr lang="en-US" dirty="0">
-              <a:solidFill>
-                <a:srgbClr val="000000"/>
-              </a:solidFill>
-            </a:endParaRPr>
-          </a:p>
-        </p:txBody>
-      </p:sp>
-      <p:sp>
-        <p:nvSpPr>
-          <p:cNvPr id="4" name="TextBox 3">
-            <a:extLst>
-              <a:ext uri="{FF2B5EF4-FFF2-40B4-BE49-F238E27FC236}">
-                <a16:creationId xmlns:a16="http://schemas.microsoft.com/office/drawing/2014/main" id="{DE7BBB0B-A20B-8544-83F3-4B2E0F7BF6DD}"/>
-              </a:ext>
-            </a:extLst>
-          </p:cNvPr>
-          <p:cNvSpPr txBox="1"/>
-          <p:nvPr/>
-        </p:nvSpPr>
-        <p:spPr>
-          <a:xfrm>
-            <a:off x="8603311" y="4603805"/>
-            <a:ext cx="540689" cy="369332"/>
-          </a:xfrm>
-          <a:prstGeom prst="rect">
-            <a:avLst/>
-          </a:prstGeom>
-          <a:noFill/>
-        </p:spPr>
-        <p:txBody>
-          <a:bodyPr wrap="square" rtlCol="0">
-            <a:spAutoFit/>
-          </a:bodyPr>
-          <a:lstStyle/>
-          <a:p>
-            <a:r>
-              <a:rPr lang="ru-RU" dirty="0"/>
-              <a:t>3</a:t>
-            </a:r>
-          </a:p>
-        </p:txBody>
-      </p:sp>
-    </p:spTree>
-    <p:extLst>
-      <p:ext uri="{BB962C8B-B14F-4D97-AF65-F5344CB8AC3E}">
-        <p14:creationId xmlns:p14="http://schemas.microsoft.com/office/powerpoint/2010/main" val="1718653990"/>
-      </p:ext>
-    </p:extLst>
-  </p:cSld>
-  <p:clrMapOvr>
-    <a:masterClrMapping/>
-  </p:clrMapOvr>
-</p:sld>
-</file>
-
-<file path=ppt/slides/slide4.xml><?xml version="1.0" encoding="utf-8"?>
-<p:sld xmlns:a="http://schemas.openxmlformats.org/drawingml/2006/main" xmlns:r="http://schemas.openxmlformats.org/officeDocument/2006/relationships" xmlns:p="http://schemas.openxmlformats.org/presentationml/2006/main">
-  <p:cSld>
-    <p:spTree>
-      <p:nvGrpSpPr>
-        <p:cNvPr id="1" name=""/>
-        <p:cNvGrpSpPr/>
-        <p:nvPr/>
-      </p:nvGrpSpPr>
-      <p:grpSpPr>
-        <a:xfrm>
-          <a:off x="0" y="0"/>
-          <a:ext cx="0" cy="0"/>
-          <a:chOff x="0" y="0"/>
-          <a:chExt cx="0" cy="0"/>
-        </a:xfrm>
-      </p:grpSpPr>
-      <p:sp>
-        <p:nvSpPr>
-          <p:cNvPr id="2" name="Title 1"/>
-          <p:cNvSpPr>
-            <a:spLocks noGrp="1"/>
-          </p:cNvSpPr>
-          <p:nvPr>
-            <p:ph type="title"/>
-          </p:nvPr>
-        </p:nvSpPr>
-        <p:spPr/>
-        <p:txBody>
-          <a:bodyPr/>
-          <a:lstStyle/>
-          <a:p>
-            <a:r>
-              <a:rPr lang="ru-RU" dirty="0">
-                <a:solidFill>
-                  <a:srgbClr val="000000"/>
-                </a:solidFill>
-              </a:rPr>
-              <a:t>ТЕКСТ</a:t>
-            </a:r>
-            <a:endParaRPr lang="en-US" dirty="0">
-              <a:solidFill>
-                <a:srgbClr val="000000"/>
-              </a:solidFill>
-            </a:endParaRPr>
-          </a:p>
-        </p:txBody>
-      </p:sp>
-      <p:sp>
-        <p:nvSpPr>
-          <p:cNvPr id="3" name="Text Placeholder 2"/>
-          <p:cNvSpPr>
-            <a:spLocks noGrp="1"/>
-          </p:cNvSpPr>
-          <p:nvPr>
-            <p:ph type="body" sz="quarter" idx="10"/>
-          </p:nvPr>
-        </p:nvSpPr>
-        <p:spPr/>
-        <p:txBody>
-          <a:bodyPr/>
-          <a:lstStyle/>
-          <a:p>
-            <a:r>
-              <a:rPr lang="ru-RU" sz="2000" dirty="0">
-                <a:solidFill>
-                  <a:srgbClr val="000000"/>
-                </a:solidFill>
-              </a:rPr>
-              <a:t>ТЕКСТ </a:t>
-            </a:r>
-            <a:endParaRPr lang="en-US" sz="2000" dirty="0">
-              <a:solidFill>
-                <a:srgbClr val="000000"/>
-              </a:solidFill>
-            </a:endParaRPr>
-          </a:p>
-          <a:p>
-            <a:r>
-              <a:rPr lang="ru-RU" dirty="0">
-                <a:solidFill>
-                  <a:srgbClr val="000000"/>
-                </a:solidFill>
-              </a:rPr>
-              <a:t>ТЕКСТ</a:t>
-            </a:r>
-            <a:endParaRPr lang="en-US" dirty="0">
-              <a:solidFill>
-                <a:srgbClr val="000000"/>
-              </a:solidFill>
-            </a:endParaRPr>
-          </a:p>
-        </p:txBody>
-      </p:sp>
-      <p:sp>
-        <p:nvSpPr>
-          <p:cNvPr id="4" name="TextBox 3">
-            <a:extLst>
-              <a:ext uri="{FF2B5EF4-FFF2-40B4-BE49-F238E27FC236}">
-                <a16:creationId xmlns:a16="http://schemas.microsoft.com/office/drawing/2014/main" id="{DE7BBB0B-A20B-8544-83F3-4B2E0F7BF6DD}"/>
-              </a:ext>
-            </a:extLst>
-          </p:cNvPr>
-          <p:cNvSpPr txBox="1"/>
-          <p:nvPr/>
-        </p:nvSpPr>
-        <p:spPr>
-          <a:xfrm>
-            <a:off x="8603311" y="4603805"/>
-            <a:ext cx="540689" cy="369332"/>
-          </a:xfrm>
-          <a:prstGeom prst="rect">
-            <a:avLst/>
-          </a:prstGeom>
-          <a:noFill/>
-        </p:spPr>
-        <p:txBody>
-          <a:bodyPr wrap="square" rtlCol="0">
-            <a:spAutoFit/>
-          </a:bodyPr>
-          <a:lstStyle/>
-          <a:p>
-            <a:r>
-              <a:rPr lang="ru-RU" dirty="0"/>
-              <a:t>4</a:t>
-            </a:r>
-          </a:p>
-        </p:txBody>
-      </p:sp>
-    </p:spTree>
-    <p:extLst>
-      <p:ext uri="{BB962C8B-B14F-4D97-AF65-F5344CB8AC3E}">
-        <p14:creationId xmlns:p14="http://schemas.microsoft.com/office/powerpoint/2010/main" val="905110238"/>
-      </p:ext>
-    </p:extLst>
-  </p:cSld>
-  <p:clrMapOvr>
-    <a:masterClrMapping/>
-  </p:clrMapOvr>
-</p:sld>
-</file>
-
-<file path=ppt/slides/slide5.xml><?xml version="1.0" encoding="utf-8"?>
-<p:sld xmlns:a="http://schemas.openxmlformats.org/drawingml/2006/main" xmlns:r="http://schemas.openxmlformats.org/officeDocument/2006/relationships" xmlns:p="http://schemas.openxmlformats.org/presentationml/2006/main">
-  <p:cSld>
-    <p:spTree>
-      <p:nvGrpSpPr>
-        <p:cNvPr id="1" name=""/>
-        <p:cNvGrpSpPr/>
-        <p:nvPr/>
-      </p:nvGrpSpPr>
-      <p:grpSpPr>
-        <a:xfrm>
-          <a:off x="0" y="0"/>
-          <a:ext cx="0" cy="0"/>
-          <a:chOff x="0" y="0"/>
-          <a:chExt cx="0" cy="0"/>
-        </a:xfrm>
-      </p:grpSpPr>
-      <p:sp>
-        <p:nvSpPr>
-          <p:cNvPr id="2" name="Title 1"/>
-          <p:cNvSpPr>
-            <a:spLocks noGrp="1"/>
-          </p:cNvSpPr>
-          <p:nvPr>
-            <p:ph type="title"/>
-          </p:nvPr>
-        </p:nvSpPr>
-        <p:spPr>
-          <a:xfrm>
-            <a:off x="457200" y="753214"/>
-            <a:ext cx="6273934" cy="620483"/>
-          </a:xfrm>
-        </p:spPr>
-        <p:txBody>
-          <a:bodyPr/>
-          <a:lstStyle/>
-          <a:p>
-            <a:r>
-              <a:rPr lang="ru-RU" dirty="0"/>
-              <a:t>Заголовок</a:t>
-            </a:r>
-            <a:endParaRPr lang="en-US" dirty="0"/>
-          </a:p>
-        </p:txBody>
-      </p:sp>
-      <p:sp>
-        <p:nvSpPr>
-          <p:cNvPr id="3" name="Content Placeholder 2"/>
-          <p:cNvSpPr>
-            <a:spLocks noGrp="1"/>
-          </p:cNvSpPr>
-          <p:nvPr>
-            <p:ph sz="half" idx="1"/>
-          </p:nvPr>
-        </p:nvSpPr>
-        <p:spPr>
-          <a:xfrm>
-            <a:off x="457200" y="1571965"/>
-            <a:ext cx="6273934" cy="2848490"/>
-          </a:xfrm>
-        </p:spPr>
-        <p:txBody>
-          <a:bodyPr>
-            <a:normAutofit/>
-          </a:bodyPr>
-          <a:lstStyle/>
-          <a:p>
-            <a:pPr>
-              <a:buClr>
-                <a:srgbClr val="1946BA"/>
-              </a:buClr>
-              <a:buFont typeface="Arial" pitchFamily="34" charset="0"/>
-              <a:buChar char="•"/>
-            </a:pPr>
-            <a:r>
-              <a:rPr lang="ru-RU" dirty="0"/>
-              <a:t>Первый уровень списка</a:t>
-            </a:r>
-            <a:endParaRPr lang="en-US" dirty="0"/>
-          </a:p>
-          <a:p>
-            <a:pPr lvl="1">
-              <a:buClr>
-                <a:srgbClr val="1946BA"/>
-              </a:buClr>
-            </a:pPr>
-            <a:r>
-              <a:rPr lang="ru-RU" dirty="0"/>
-              <a:t>Второй уровень списка</a:t>
-            </a:r>
-            <a:endParaRPr lang="en-US" dirty="0"/>
-          </a:p>
-          <a:p>
-            <a:pPr lvl="2">
-              <a:buClr>
-                <a:srgbClr val="1946BA"/>
-              </a:buClr>
-            </a:pPr>
-            <a:r>
-              <a:rPr lang="ru-RU" dirty="0"/>
-              <a:t>Третий уровень списка</a:t>
-            </a:r>
-            <a:endParaRPr lang="en-US" dirty="0"/>
-          </a:p>
-          <a:p>
-            <a:pPr>
-              <a:buClr>
-                <a:srgbClr val="1946BA"/>
-              </a:buClr>
-            </a:pPr>
-            <a:endParaRPr lang="en-US" dirty="0"/>
-          </a:p>
-          <a:p>
-            <a:pPr>
-              <a:buClr>
-                <a:srgbClr val="1946BA"/>
-              </a:buClr>
-              <a:buFont typeface="Arial" pitchFamily="34" charset="0"/>
-              <a:buChar char="•"/>
-            </a:pPr>
-            <a:r>
-              <a:rPr lang="ru-RU" dirty="0"/>
-              <a:t>Первый уровень списка</a:t>
-            </a:r>
-            <a:endParaRPr lang="en-US" dirty="0"/>
-          </a:p>
-          <a:p>
-            <a:pPr>
-              <a:buClr>
-                <a:srgbClr val="1946BA"/>
-              </a:buClr>
-              <a:buFont typeface="Arial" pitchFamily="34" charset="0"/>
-              <a:buChar char="•"/>
-            </a:pPr>
-            <a:r>
-              <a:rPr lang="ru-RU" dirty="0"/>
-              <a:t>Первый уровень списка</a:t>
-            </a:r>
-            <a:endParaRPr lang="en-US" dirty="0"/>
-          </a:p>
-        </p:txBody>
-      </p:sp>
-      <p:sp>
-        <p:nvSpPr>
-          <p:cNvPr id="5" name="TextBox 4">
-            <a:extLst>
-              <a:ext uri="{FF2B5EF4-FFF2-40B4-BE49-F238E27FC236}">
-                <a16:creationId xmlns:a16="http://schemas.microsoft.com/office/drawing/2014/main" id="{0D285E80-0E76-D54F-A579-24BD613AD3C1}"/>
-              </a:ext>
-            </a:extLst>
-          </p:cNvPr>
-          <p:cNvSpPr txBox="1"/>
-          <p:nvPr/>
-        </p:nvSpPr>
-        <p:spPr>
-          <a:xfrm>
-            <a:off x="8603311" y="4603805"/>
-            <a:ext cx="540689" cy="369332"/>
-          </a:xfrm>
-          <a:prstGeom prst="rect">
-            <a:avLst/>
-          </a:prstGeom>
-          <a:noFill/>
-        </p:spPr>
-        <p:txBody>
-          <a:bodyPr wrap="square" rtlCol="0">
-            <a:spAutoFit/>
-          </a:bodyPr>
-          <a:lstStyle/>
-          <a:p>
-            <a:r>
-              <a:rPr lang="ru-RU" dirty="0"/>
-              <a:t>2</a:t>
-            </a:r>
-          </a:p>
-        </p:txBody>
-      </p:sp>
-    </p:spTree>
-    <p:extLst>
-      <p:ext uri="{BB962C8B-B14F-4D97-AF65-F5344CB8AC3E}">
-        <p14:creationId xmlns:p14="http://schemas.microsoft.com/office/powerpoint/2010/main" val="1803256121"/>
-      </p:ext>
-    </p:extLst>
-  </p:cSld>
-  <p:clrMapOvr>
-    <a:masterClrMapping/>
-  </p:clrMapOvr>
-</p:sld>
-</file>
-
-<file path=ppt/slides/slide6.xml><?xml version="1.0" encoding="utf-8"?>
-<p:sld xmlns:a="http://schemas.openxmlformats.org/drawingml/2006/main" xmlns:r="http://schemas.openxmlformats.org/officeDocument/2006/relationships" xmlns:p="http://schemas.openxmlformats.org/presentationml/2006/main">
-  <p:cSld>
-    <p:spTree>
-      <p:nvGrpSpPr>
-        <p:cNvPr id="1" name=""/>
-        <p:cNvGrpSpPr/>
-        <p:nvPr/>
-      </p:nvGrpSpPr>
-      <p:grpSpPr>
-        <a:xfrm>
-          <a:off x="0" y="0"/>
-          <a:ext cx="0" cy="0"/>
-          <a:chOff x="0" y="0"/>
-          <a:chExt cx="0" cy="0"/>
-        </a:xfrm>
-      </p:grpSpPr>
-      <p:pic>
-        <p:nvPicPr>
-          <p:cNvPr id="1026" name="Picture 2" descr="C:\Users\deus-ex-mashina\Downloads\5P5A0078 (1).jpg"/>
-          <p:cNvPicPr>
-            <a:picLocks noChangeAspect="1" noChangeArrowheads="1"/>
-          </p:cNvPicPr>
-          <p:nvPr/>
-        </p:nvPicPr>
-        <p:blipFill>
-          <a:blip r:embed="rId2"/>
-          <a:srcRect/>
-          <a:stretch>
-            <a:fillRect/>
-          </a:stretch>
-        </p:blipFill>
-        <p:spPr bwMode="auto">
-          <a:xfrm>
-            <a:off x="-1529140" y="-1988457"/>
-            <a:ext cx="10689015" cy="7127459"/>
-          </a:xfrm>
-          <a:prstGeom prst="rect">
-            <a:avLst/>
-          </a:prstGeom>
-          <a:noFill/>
-        </p:spPr>
-      </p:pic>
-      <p:pic>
-        <p:nvPicPr>
-          <p:cNvPr id="2" name="Picture 2" descr="E:\ИТМО\Презентации\Для ппт шаблонов-07.png"/>
-          <p:cNvPicPr>
-            <a:picLocks noChangeAspect="1" noChangeArrowheads="1"/>
-          </p:cNvPicPr>
-          <p:nvPr/>
-        </p:nvPicPr>
-        <p:blipFill>
-          <a:blip r:embed="rId3"/>
-          <a:srcRect/>
-          <a:stretch>
-            <a:fillRect/>
-          </a:stretch>
-        </p:blipFill>
-        <p:spPr bwMode="auto">
-          <a:xfrm>
-            <a:off x="9525" y="4181740"/>
-            <a:ext cx="9150350" cy="957262"/>
-          </a:xfrm>
-          <a:prstGeom prst="rect">
-            <a:avLst/>
-          </a:prstGeom>
-          <a:noFill/>
-        </p:spPr>
-      </p:pic>
-      <p:sp>
-        <p:nvSpPr>
-          <p:cNvPr id="4" name="Title 3"/>
-          <p:cNvSpPr>
-            <a:spLocks noGrp="1"/>
-          </p:cNvSpPr>
-          <p:nvPr>
-            <p:ph type="title"/>
-          </p:nvPr>
-        </p:nvSpPr>
-        <p:spPr>
-          <a:xfrm>
-            <a:off x="5921660" y="4015847"/>
-            <a:ext cx="2749360" cy="644524"/>
-          </a:xfrm>
-          <a:solidFill>
-            <a:schemeClr val="accent1"/>
-          </a:solidFill>
-        </p:spPr>
-        <p:txBody>
-          <a:bodyPr>
-            <a:noAutofit/>
-          </a:bodyPr>
-          <a:lstStyle/>
-          <a:p>
-            <a:pPr algn="r"/>
-            <a:r>
-              <a:rPr lang="ru-RU" sz="3600" dirty="0">
-                <a:solidFill>
-                  <a:schemeClr val="bg1"/>
-                </a:solidFill>
-              </a:rPr>
-              <a:t>ТЕКСТ  ТЕКСТ</a:t>
-            </a:r>
-            <a:endParaRPr lang="en-US" sz="3600" dirty="0">
-              <a:solidFill>
-                <a:schemeClr val="bg1"/>
-              </a:solidFill>
-            </a:endParaRPr>
-          </a:p>
-        </p:txBody>
-      </p:sp>
-      <p:pic>
-        <p:nvPicPr>
-          <p:cNvPr id="1027" name="Picture 3" descr="E:\ИТМО\Презентации\Для ппт шаблонов-09.png"/>
-          <p:cNvPicPr>
-            <a:picLocks noChangeAspect="1" noChangeArrowheads="1"/>
-          </p:cNvPicPr>
-          <p:nvPr/>
-        </p:nvPicPr>
-        <p:blipFill>
-          <a:blip r:embed="rId4"/>
-          <a:srcRect/>
-          <a:stretch>
-            <a:fillRect/>
-          </a:stretch>
-        </p:blipFill>
-        <p:spPr bwMode="auto">
-          <a:xfrm>
-            <a:off x="3175" y="0"/>
-            <a:ext cx="9163050" cy="1231900"/>
-          </a:xfrm>
-          <a:prstGeom prst="rect">
-            <a:avLst/>
-          </a:prstGeom>
-          <a:noFill/>
-        </p:spPr>
-      </p:pic>
-    </p:spTree>
-    <p:extLst>
-      <p:ext uri="{BB962C8B-B14F-4D97-AF65-F5344CB8AC3E}">
-        <p14:creationId xmlns:p14="http://schemas.microsoft.com/office/powerpoint/2010/main" val="1447741309"/>
-      </p:ext>
-    </p:extLst>
-  </p:cSld>
-  <p:clrMapOvr>
-    <a:masterClrMapping/>
-  </p:clrMapOvr>
-</p:sld>
-</file>
-
-<file path=ppt/slides/slide7.xml><?xml version="1.0" encoding="utf-8"?>
-<p:sld xmlns:a="http://schemas.openxmlformats.org/drawingml/2006/main" xmlns:r="http://schemas.openxmlformats.org/officeDocument/2006/relationships" xmlns:p="http://schemas.openxmlformats.org/presentationml/2006/main">
-  <p:cSld>
-    <p:spTree>
-      <p:nvGrpSpPr>
-        <p:cNvPr id="1" name=""/>
-        <p:cNvGrpSpPr/>
-        <p:nvPr/>
-      </p:nvGrpSpPr>
-      <p:grpSpPr>
-        <a:xfrm>
-          <a:off x="0" y="0"/>
-          <a:ext cx="0" cy="0"/>
-          <a:chOff x="0" y="0"/>
-          <a:chExt cx="0" cy="0"/>
-        </a:xfrm>
-      </p:grpSpPr>
-      <p:sp>
-        <p:nvSpPr>
-          <p:cNvPr id="3" name="Content Placeholder 2"/>
-          <p:cNvSpPr>
-            <a:spLocks noGrp="1"/>
-          </p:cNvSpPr>
-          <p:nvPr>
-            <p:ph sz="half" idx="1"/>
-          </p:nvPr>
-        </p:nvSpPr>
-        <p:spPr/>
-        <p:txBody>
-          <a:bodyPr>
-            <a:normAutofit/>
-          </a:bodyPr>
-          <a:lstStyle/>
-          <a:p>
-            <a:pPr>
-              <a:buClr>
-                <a:srgbClr val="1946BA"/>
-              </a:buClr>
-              <a:buFont typeface="Arial" pitchFamily="34" charset="0"/>
-              <a:buChar char="•"/>
-            </a:pPr>
-            <a:r>
-              <a:rPr lang="ru-RU" dirty="0"/>
-              <a:t>Первый уровень списка</a:t>
-            </a:r>
-            <a:endParaRPr lang="en-US" dirty="0"/>
-          </a:p>
-          <a:p>
-            <a:pPr lvl="1">
-              <a:buClr>
-                <a:srgbClr val="1946BA"/>
-              </a:buClr>
-            </a:pPr>
-            <a:r>
-              <a:rPr lang="ru-RU" dirty="0"/>
-              <a:t>Второй уровень списка</a:t>
-            </a:r>
-            <a:endParaRPr lang="en-US" dirty="0"/>
-          </a:p>
-          <a:p>
-            <a:pPr lvl="2">
-              <a:buClr>
-                <a:srgbClr val="1946BA"/>
-              </a:buClr>
-            </a:pPr>
-            <a:r>
-              <a:rPr lang="ru-RU" dirty="0"/>
-              <a:t>Третий уровень списка</a:t>
-            </a:r>
-            <a:endParaRPr lang="en-US" dirty="0"/>
-          </a:p>
-          <a:p>
-            <a:pPr>
-              <a:buClr>
-                <a:srgbClr val="1946BA"/>
-              </a:buClr>
-            </a:pPr>
-            <a:endParaRPr lang="en-US" dirty="0"/>
-          </a:p>
-          <a:p>
-            <a:pPr>
-              <a:buClr>
-                <a:srgbClr val="1946BA"/>
-              </a:buClr>
-              <a:buFont typeface="Arial" pitchFamily="34" charset="0"/>
-              <a:buChar char="•"/>
-            </a:pPr>
-            <a:r>
-              <a:rPr lang="ru-RU" dirty="0"/>
-              <a:t>Первый уровень списка</a:t>
-            </a:r>
-            <a:endParaRPr lang="en-US" dirty="0"/>
-          </a:p>
-        </p:txBody>
-      </p:sp>
-      <p:sp>
-        <p:nvSpPr>
-          <p:cNvPr id="2" name="Title 1"/>
-          <p:cNvSpPr>
-            <a:spLocks noGrp="1"/>
-          </p:cNvSpPr>
-          <p:nvPr>
-            <p:ph type="title"/>
-          </p:nvPr>
-        </p:nvSpPr>
-        <p:spPr/>
-        <p:txBody>
-          <a:bodyPr>
-            <a:normAutofit/>
-          </a:bodyPr>
-          <a:lstStyle/>
-          <a:p>
-            <a:r>
-              <a:rPr lang="ru-RU" dirty="0"/>
-              <a:t>Заголовок</a:t>
-            </a:r>
-            <a:endParaRPr lang="en-US" dirty="0"/>
-          </a:p>
-        </p:txBody>
-      </p:sp>
-      <p:sp>
-        <p:nvSpPr>
-          <p:cNvPr id="5" name="Рисунок 4"/>
-          <p:cNvSpPr>
-            <a:spLocks noGrp="1"/>
-          </p:cNvSpPr>
-          <p:nvPr>
-            <p:ph type="pic" sz="quarter" idx="10"/>
-          </p:nvPr>
-        </p:nvSpPr>
-        <p:spPr>
-          <a:xfrm>
-            <a:off x="5659438" y="1487073"/>
-            <a:ext cx="3027362" cy="1414463"/>
-          </a:xfrm>
-        </p:spPr>
-      </p:sp>
-      <p:sp>
-        <p:nvSpPr>
-          <p:cNvPr id="9" name="Рисунок 8"/>
-          <p:cNvSpPr>
-            <a:spLocks noGrp="1"/>
-          </p:cNvSpPr>
-          <p:nvPr>
-            <p:ph type="pic" sz="quarter" idx="11"/>
-          </p:nvPr>
-        </p:nvSpPr>
-        <p:spPr>
-          <a:xfrm>
-            <a:off x="5659438" y="3015835"/>
-            <a:ext cx="3027362" cy="1414463"/>
-          </a:xfrm>
-        </p:spPr>
-      </p:sp>
-    </p:spTree>
-    <p:extLst>
-      <p:ext uri="{BB962C8B-B14F-4D97-AF65-F5344CB8AC3E}">
-        <p14:creationId xmlns:p14="http://schemas.microsoft.com/office/powerpoint/2010/main" val="238712034"/>
-      </p:ext>
-    </p:extLst>
-  </p:cSld>
-  <p:clrMapOvr>
-    <a:masterClrMapping/>
-  </p:clrMapOvr>
-</p:sld>
-</file>
-
-<file path=ppt/slides/slide8.xml><?xml version="1.0" encoding="utf-8"?>
-<p:sld xmlns:a="http://schemas.openxmlformats.org/drawingml/2006/main" xmlns:r="http://schemas.openxmlformats.org/officeDocument/2006/relationships" xmlns:p="http://schemas.openxmlformats.org/presentationml/2006/main">
-  <p:cSld>
-    <p:spTree>
-      <p:nvGrpSpPr>
-        <p:cNvPr id="1" name=""/>
-        <p:cNvGrpSpPr/>
-        <p:nvPr/>
-      </p:nvGrpSpPr>
-      <p:grpSpPr>
-        <a:xfrm>
-          <a:off x="0" y="0"/>
-          <a:ext cx="0" cy="0"/>
-          <a:chOff x="0" y="0"/>
-          <a:chExt cx="0" cy="0"/>
-        </a:xfrm>
-      </p:grpSpPr>
-      <p:sp>
-        <p:nvSpPr>
           <p:cNvPr id="2" name="Название 1"/>
           <p:cNvSpPr>
             <a:spLocks noGrp="1"/>
@@ -6027,7 +5140,7 @@
 </p:sld>
 </file>
 
-<file path=ppt/slides/slide9.xml><?xml version="1.0" encoding="utf-8"?>
+<file path=ppt/slides/slide12.xml><?xml version="1.0" encoding="utf-8"?>
 <p:sld xmlns:a="http://schemas.openxmlformats.org/drawingml/2006/main" xmlns:r="http://schemas.openxmlformats.org/officeDocument/2006/relationships" xmlns:p="http://schemas.openxmlformats.org/presentationml/2006/main">
   <p:cSld>
     <p:spTree>
@@ -6219,6 +5332,2948 @@
     <p:extLst>
       <p:ext uri="{BB962C8B-B14F-4D97-AF65-F5344CB8AC3E}">
         <p14:creationId xmlns:p14="http://schemas.microsoft.com/office/powerpoint/2010/main" val="2290475877"/>
+      </p:ext>
+    </p:extLst>
+  </p:cSld>
+  <p:clrMapOvr>
+    <a:masterClrMapping/>
+  </p:clrMapOvr>
+</p:sld>
+</file>
+
+<file path=ppt/slides/slide13.xml><?xml version="1.0" encoding="utf-8"?>
+<p:sld xmlns:a="http://schemas.openxmlformats.org/drawingml/2006/main" xmlns:r="http://schemas.openxmlformats.org/officeDocument/2006/relationships" xmlns:p="http://schemas.openxmlformats.org/presentationml/2006/main">
+  <p:cSld>
+    <p:spTree>
+      <p:nvGrpSpPr>
+        <p:cNvPr id="1" name=""/>
+        <p:cNvGrpSpPr/>
+        <p:nvPr/>
+      </p:nvGrpSpPr>
+      <p:grpSpPr>
+        <a:xfrm>
+          <a:off x="0" y="0"/>
+          <a:ext cx="0" cy="0"/>
+          <a:chOff x="0" y="0"/>
+          <a:chExt cx="0" cy="0"/>
+        </a:xfrm>
+      </p:grpSpPr>
+      <p:sp>
+        <p:nvSpPr>
+          <p:cNvPr id="4" name="TextBox 3">
+            <a:extLst>
+              <a:ext uri="{FF2B5EF4-FFF2-40B4-BE49-F238E27FC236}">
+                <a16:creationId xmlns:a16="http://schemas.microsoft.com/office/drawing/2014/main" id="{DE7BBB0B-A20B-8544-83F3-4B2E0F7BF6DD}"/>
+              </a:ext>
+            </a:extLst>
+          </p:cNvPr>
+          <p:cNvSpPr txBox="1"/>
+          <p:nvPr/>
+        </p:nvSpPr>
+        <p:spPr>
+          <a:xfrm>
+            <a:off x="8603311" y="4603805"/>
+            <a:ext cx="540689" cy="369332"/>
+          </a:xfrm>
+          <a:prstGeom prst="rect">
+            <a:avLst/>
+          </a:prstGeom>
+          <a:noFill/>
+        </p:spPr>
+        <p:txBody>
+          <a:bodyPr wrap="square" rtlCol="0">
+            <a:spAutoFit/>
+          </a:bodyPr>
+          <a:lstStyle/>
+          <a:p>
+            <a:r>
+              <a:rPr lang="ru-RU" dirty="0"/>
+              <a:t>4</a:t>
+            </a:r>
+          </a:p>
+        </p:txBody>
+      </p:sp>
+      <p:sp>
+        <p:nvSpPr>
+          <p:cNvPr id="9" name="Title 1">
+            <a:extLst>
+              <a:ext uri="{FF2B5EF4-FFF2-40B4-BE49-F238E27FC236}">
+                <a16:creationId xmlns:a16="http://schemas.microsoft.com/office/drawing/2014/main" id="{E2953DE2-1694-6745-9BA6-4BBABA4641EF}"/>
+              </a:ext>
+            </a:extLst>
+          </p:cNvPr>
+          <p:cNvSpPr txBox="1">
+            <a:spLocks/>
+          </p:cNvSpPr>
+          <p:nvPr/>
+        </p:nvSpPr>
+        <p:spPr>
+          <a:xfrm>
+            <a:off x="457200" y="753214"/>
+            <a:ext cx="6273934" cy="620483"/>
+          </a:xfrm>
+          <a:prstGeom prst="rect">
+            <a:avLst/>
+          </a:prstGeom>
+        </p:spPr>
+        <p:txBody>
+          <a:bodyPr vert="horz" lIns="91440" tIns="45720" rIns="91440" bIns="45720" rtlCol="0" anchor="b">
+            <a:normAutofit/>
+          </a:bodyPr>
+          <a:lstStyle>
+            <a:lvl1pPr algn="l" defTabSz="457200" rtl="0" eaLnBrk="1" latinLnBrk="0" hangingPunct="1">
+              <a:spcBef>
+                <a:spcPct val="0"/>
+              </a:spcBef>
+              <a:buNone/>
+              <a:defRPr sz="3200" b="0" i="0" kern="1200" baseline="0">
+                <a:solidFill>
+                  <a:schemeClr val="tx1"/>
+                </a:solidFill>
+                <a:latin typeface="+mj-lt"/>
+                <a:ea typeface="+mj-ea"/>
+                <a:cs typeface="+mj-cs"/>
+              </a:defRPr>
+            </a:lvl1pPr>
+          </a:lstStyle>
+          <a:p>
+            <a:r>
+              <a:rPr lang="ru-RU" b="1" dirty="0">
+                <a:solidFill>
+                  <a:srgbClr val="000000"/>
+                </a:solidFill>
+              </a:rPr>
+              <a:t>Результаты</a:t>
+            </a:r>
+            <a:endParaRPr lang="en-US" b="1" dirty="0">
+              <a:solidFill>
+                <a:srgbClr val="000000"/>
+              </a:solidFill>
+            </a:endParaRPr>
+          </a:p>
+        </p:txBody>
+      </p:sp>
+    </p:spTree>
+    <p:extLst>
+      <p:ext uri="{BB962C8B-B14F-4D97-AF65-F5344CB8AC3E}">
+        <p14:creationId xmlns:p14="http://schemas.microsoft.com/office/powerpoint/2010/main" val="1002386206"/>
+      </p:ext>
+    </p:extLst>
+  </p:cSld>
+  <p:clrMapOvr>
+    <a:masterClrMapping/>
+  </p:clrMapOvr>
+</p:sld>
+</file>
+
+<file path=ppt/slides/slide2.xml><?xml version="1.0" encoding="utf-8"?>
+<p:sld xmlns:a="http://schemas.openxmlformats.org/drawingml/2006/main" xmlns:r="http://schemas.openxmlformats.org/officeDocument/2006/relationships" xmlns:p="http://schemas.openxmlformats.org/presentationml/2006/main">
+  <p:cSld>
+    <p:spTree>
+      <p:nvGrpSpPr>
+        <p:cNvPr id="1" name=""/>
+        <p:cNvGrpSpPr/>
+        <p:nvPr/>
+      </p:nvGrpSpPr>
+      <p:grpSpPr>
+        <a:xfrm>
+          <a:off x="0" y="0"/>
+          <a:ext cx="0" cy="0"/>
+          <a:chOff x="0" y="0"/>
+          <a:chExt cx="0" cy="0"/>
+        </a:xfrm>
+      </p:grpSpPr>
+      <p:sp>
+        <p:nvSpPr>
+          <p:cNvPr id="4" name="TextBox 3">
+            <a:extLst>
+              <a:ext uri="{FF2B5EF4-FFF2-40B4-BE49-F238E27FC236}">
+                <a16:creationId xmlns:a16="http://schemas.microsoft.com/office/drawing/2014/main" id="{DE7BBB0B-A20B-8544-83F3-4B2E0F7BF6DD}"/>
+              </a:ext>
+            </a:extLst>
+          </p:cNvPr>
+          <p:cNvSpPr txBox="1"/>
+          <p:nvPr/>
+        </p:nvSpPr>
+        <p:spPr>
+          <a:xfrm>
+            <a:off x="8603311" y="4603805"/>
+            <a:ext cx="540689" cy="369332"/>
+          </a:xfrm>
+          <a:prstGeom prst="rect">
+            <a:avLst/>
+          </a:prstGeom>
+          <a:noFill/>
+        </p:spPr>
+        <p:txBody>
+          <a:bodyPr wrap="square" rtlCol="0">
+            <a:spAutoFit/>
+          </a:bodyPr>
+          <a:lstStyle/>
+          <a:p>
+            <a:r>
+              <a:rPr lang="ru-RU" dirty="0"/>
+              <a:t>2</a:t>
+            </a:r>
+          </a:p>
+        </p:txBody>
+      </p:sp>
+      <p:pic>
+        <p:nvPicPr>
+          <p:cNvPr id="1026" name="Picture 2" descr="Brushless Motors (AC, DC, Servo &amp; Direct Drive Torque) - Allied Motion">
+            <a:extLst>
+              <a:ext uri="{FF2B5EF4-FFF2-40B4-BE49-F238E27FC236}">
+                <a16:creationId xmlns:a16="http://schemas.microsoft.com/office/drawing/2014/main" id="{6BCB98B5-CC54-144E-8243-F519C71802FC}"/>
+              </a:ext>
+            </a:extLst>
+          </p:cNvPr>
+          <p:cNvPicPr>
+            <a:picLocks noChangeAspect="1" noChangeArrowheads="1"/>
+          </p:cNvPicPr>
+          <p:nvPr/>
+        </p:nvPicPr>
+        <p:blipFill>
+          <a:blip r:embed="rId2">
+            <a:extLst>
+              <a:ext uri="{28A0092B-C50C-407E-A947-70E740481C1C}">
+                <a14:useLocalDpi xmlns:a14="http://schemas.microsoft.com/office/drawing/2010/main" val="0"/>
+              </a:ext>
+            </a:extLst>
+          </a:blip>
+          <a:srcRect/>
+          <a:stretch>
+            <a:fillRect/>
+          </a:stretch>
+        </p:blipFill>
+        <p:spPr bwMode="auto">
+          <a:xfrm>
+            <a:off x="2612800" y="1225307"/>
+            <a:ext cx="3918399" cy="3010579"/>
+          </a:xfrm>
+          <a:prstGeom prst="rect">
+            <a:avLst/>
+          </a:prstGeom>
+          <a:noFill/>
+          <a:extLst>
+            <a:ext uri="{909E8E84-426E-40DD-AFC4-6F175D3DCCD1}">
+              <a14:hiddenFill xmlns:a14="http://schemas.microsoft.com/office/drawing/2010/main">
+                <a:solidFill>
+                  <a:srgbClr val="FFFFFF"/>
+                </a:solidFill>
+              </a14:hiddenFill>
+            </a:ext>
+          </a:extLst>
+        </p:spPr>
+      </p:pic>
+      <p:sp>
+        <p:nvSpPr>
+          <p:cNvPr id="5" name="Title 1">
+            <a:extLst>
+              <a:ext uri="{FF2B5EF4-FFF2-40B4-BE49-F238E27FC236}">
+                <a16:creationId xmlns:a16="http://schemas.microsoft.com/office/drawing/2014/main" id="{E2D29D9E-AE26-C044-984E-06C48CEE051D}"/>
+              </a:ext>
+            </a:extLst>
+          </p:cNvPr>
+          <p:cNvSpPr txBox="1">
+            <a:spLocks/>
+          </p:cNvSpPr>
+          <p:nvPr/>
+        </p:nvSpPr>
+        <p:spPr>
+          <a:xfrm>
+            <a:off x="457200" y="753214"/>
+            <a:ext cx="6273934" cy="620483"/>
+          </a:xfrm>
+          <a:prstGeom prst="rect">
+            <a:avLst/>
+          </a:prstGeom>
+        </p:spPr>
+        <p:txBody>
+          <a:bodyPr vert="horz" lIns="91440" tIns="45720" rIns="91440" bIns="45720" rtlCol="0" anchor="b">
+            <a:normAutofit/>
+          </a:bodyPr>
+          <a:lstStyle>
+            <a:lvl1pPr algn="l" defTabSz="457200" rtl="0" eaLnBrk="1" latinLnBrk="0" hangingPunct="1">
+              <a:spcBef>
+                <a:spcPct val="0"/>
+              </a:spcBef>
+              <a:buNone/>
+              <a:defRPr sz="3200" b="0" i="0" kern="1200" baseline="0">
+                <a:solidFill>
+                  <a:schemeClr val="tx1"/>
+                </a:solidFill>
+                <a:latin typeface="+mj-lt"/>
+                <a:ea typeface="+mj-ea"/>
+                <a:cs typeface="+mj-cs"/>
+              </a:defRPr>
+            </a:lvl1pPr>
+          </a:lstStyle>
+          <a:p>
+            <a:r>
+              <a:rPr lang="ru-RU" b="1" dirty="0">
+                <a:solidFill>
+                  <a:srgbClr val="000000"/>
+                </a:solidFill>
+              </a:rPr>
+              <a:t>Актуальность</a:t>
+            </a:r>
+            <a:endParaRPr lang="en-US" b="1" dirty="0">
+              <a:solidFill>
+                <a:srgbClr val="000000"/>
+              </a:solidFill>
+            </a:endParaRPr>
+          </a:p>
+        </p:txBody>
+      </p:sp>
+    </p:spTree>
+    <p:extLst>
+      <p:ext uri="{BB962C8B-B14F-4D97-AF65-F5344CB8AC3E}">
+        <p14:creationId xmlns:p14="http://schemas.microsoft.com/office/powerpoint/2010/main" val="3472064595"/>
+      </p:ext>
+    </p:extLst>
+  </p:cSld>
+  <p:clrMapOvr>
+    <a:masterClrMapping/>
+  </p:clrMapOvr>
+</p:sld>
+</file>
+
+<file path=ppt/slides/slide3.xml><?xml version="1.0" encoding="utf-8"?>
+<p:sld xmlns:a="http://schemas.openxmlformats.org/drawingml/2006/main" xmlns:r="http://schemas.openxmlformats.org/officeDocument/2006/relationships" xmlns:p="http://schemas.openxmlformats.org/presentationml/2006/main">
+  <p:cSld>
+    <p:spTree>
+      <p:nvGrpSpPr>
+        <p:cNvPr id="1" name=""/>
+        <p:cNvGrpSpPr/>
+        <p:nvPr/>
+      </p:nvGrpSpPr>
+      <p:grpSpPr>
+        <a:xfrm>
+          <a:off x="0" y="0"/>
+          <a:ext cx="0" cy="0"/>
+          <a:chOff x="0" y="0"/>
+          <a:chExt cx="0" cy="0"/>
+        </a:xfrm>
+      </p:grpSpPr>
+      <p:sp>
+        <p:nvSpPr>
+          <p:cNvPr id="4" name="TextBox 3">
+            <a:extLst>
+              <a:ext uri="{FF2B5EF4-FFF2-40B4-BE49-F238E27FC236}">
+                <a16:creationId xmlns:a16="http://schemas.microsoft.com/office/drawing/2014/main" id="{DE7BBB0B-A20B-8544-83F3-4B2E0F7BF6DD}"/>
+              </a:ext>
+            </a:extLst>
+          </p:cNvPr>
+          <p:cNvSpPr txBox="1"/>
+          <p:nvPr/>
+        </p:nvSpPr>
+        <p:spPr>
+          <a:xfrm>
+            <a:off x="8603311" y="4603805"/>
+            <a:ext cx="540689" cy="369332"/>
+          </a:xfrm>
+          <a:prstGeom prst="rect">
+            <a:avLst/>
+          </a:prstGeom>
+          <a:noFill/>
+        </p:spPr>
+        <p:txBody>
+          <a:bodyPr wrap="square" rtlCol="0">
+            <a:spAutoFit/>
+          </a:bodyPr>
+          <a:lstStyle/>
+          <a:p>
+            <a:r>
+              <a:rPr lang="ru-RU" dirty="0"/>
+              <a:t>3</a:t>
+            </a:r>
+          </a:p>
+        </p:txBody>
+      </p:sp>
+      <p:pic>
+        <p:nvPicPr>
+          <p:cNvPr id="7" name="Рисунок 6">
+            <a:extLst>
+              <a:ext uri="{FF2B5EF4-FFF2-40B4-BE49-F238E27FC236}">
+                <a16:creationId xmlns:a16="http://schemas.microsoft.com/office/drawing/2014/main" id="{46DA020D-F1AE-4042-A23E-E1EBAB991C18}"/>
+              </a:ext>
+            </a:extLst>
+          </p:cNvPr>
+          <p:cNvPicPr>
+            <a:picLocks noChangeAspect="1"/>
+          </p:cNvPicPr>
+          <p:nvPr/>
+        </p:nvPicPr>
+        <p:blipFill>
+          <a:blip r:embed="rId2"/>
+          <a:stretch>
+            <a:fillRect/>
+          </a:stretch>
+        </p:blipFill>
+        <p:spPr>
+          <a:xfrm>
+            <a:off x="565510" y="1829027"/>
+            <a:ext cx="3560641" cy="2202511"/>
+          </a:xfrm>
+          <a:prstGeom prst="rect">
+            <a:avLst/>
+          </a:prstGeom>
+        </p:spPr>
+      </p:pic>
+      <p:pic>
+        <p:nvPicPr>
+          <p:cNvPr id="9" name="Рисунок 8">
+            <a:extLst>
+              <a:ext uri="{FF2B5EF4-FFF2-40B4-BE49-F238E27FC236}">
+                <a16:creationId xmlns:a16="http://schemas.microsoft.com/office/drawing/2014/main" id="{E433EE1A-7780-DF42-9BF9-B4F6FBEC7D5B}"/>
+              </a:ext>
+            </a:extLst>
+          </p:cNvPr>
+          <p:cNvPicPr>
+            <a:picLocks noChangeAspect="1"/>
+          </p:cNvPicPr>
+          <p:nvPr/>
+        </p:nvPicPr>
+        <p:blipFill>
+          <a:blip r:embed="rId3"/>
+          <a:stretch>
+            <a:fillRect/>
+          </a:stretch>
+        </p:blipFill>
+        <p:spPr>
+          <a:xfrm>
+            <a:off x="4707172" y="1829026"/>
+            <a:ext cx="3560641" cy="2202511"/>
+          </a:xfrm>
+          <a:prstGeom prst="rect">
+            <a:avLst/>
+          </a:prstGeom>
+        </p:spPr>
+      </p:pic>
+      <p:sp>
+        <p:nvSpPr>
+          <p:cNvPr id="10" name="Text Placeholder 2">
+            <a:extLst>
+              <a:ext uri="{FF2B5EF4-FFF2-40B4-BE49-F238E27FC236}">
+                <a16:creationId xmlns:a16="http://schemas.microsoft.com/office/drawing/2014/main" id="{CCFFA9A5-B275-8648-803F-A717A909D1F6}"/>
+              </a:ext>
+            </a:extLst>
+          </p:cNvPr>
+          <p:cNvSpPr>
+            <a:spLocks noGrp="1"/>
+          </p:cNvSpPr>
+          <p:nvPr>
+            <p:ph type="body" sz="quarter" idx="10"/>
+          </p:nvPr>
+        </p:nvSpPr>
+        <p:spPr>
+          <a:xfrm>
+            <a:off x="565510" y="770283"/>
+            <a:ext cx="8141168" cy="340624"/>
+          </a:xfrm>
+        </p:spPr>
+        <p:txBody>
+          <a:bodyPr>
+            <a:noAutofit/>
+          </a:bodyPr>
+          <a:lstStyle/>
+          <a:p>
+            <a:r>
+              <a:rPr lang="ru-RU" sz="2000" dirty="0">
+                <a:solidFill>
+                  <a:srgbClr val="000000"/>
+                </a:solidFill>
+              </a:rPr>
+              <a:t>Цены на оксиды металлов с 2009 по 2020 год (с прогнозом до 2030 года)</a:t>
+            </a:r>
+            <a:endParaRPr lang="en-US" sz="2000" dirty="0">
+              <a:solidFill>
+                <a:srgbClr val="000000"/>
+              </a:solidFill>
+            </a:endParaRPr>
+          </a:p>
+        </p:txBody>
+      </p:sp>
+      <p:sp>
+        <p:nvSpPr>
+          <p:cNvPr id="11" name="Text Placeholder 2">
+            <a:extLst>
+              <a:ext uri="{FF2B5EF4-FFF2-40B4-BE49-F238E27FC236}">
+                <a16:creationId xmlns:a16="http://schemas.microsoft.com/office/drawing/2014/main" id="{D3456D6C-8DE3-1740-A863-3831AABAEAE8}"/>
+              </a:ext>
+            </a:extLst>
+          </p:cNvPr>
+          <p:cNvSpPr txBox="1">
+            <a:spLocks/>
+          </p:cNvSpPr>
+          <p:nvPr/>
+        </p:nvSpPr>
+        <p:spPr>
+          <a:xfrm>
+            <a:off x="565510" y="1342549"/>
+            <a:ext cx="2169739" cy="340624"/>
+          </a:xfrm>
+          <a:prstGeom prst="rect">
+            <a:avLst/>
+          </a:prstGeom>
+        </p:spPr>
+        <p:txBody>
+          <a:bodyPr vert="horz" lIns="91440" tIns="45720" rIns="91440" bIns="45720" rtlCol="0">
+            <a:noAutofit/>
+          </a:bodyPr>
+          <a:lstStyle>
+            <a:lvl1pPr marL="0" indent="0" algn="l" defTabSz="457200" rtl="0" eaLnBrk="1" latinLnBrk="0" hangingPunct="1">
+              <a:spcBef>
+                <a:spcPct val="20000"/>
+              </a:spcBef>
+              <a:buSzPct val="100000"/>
+              <a:buFontTx/>
+              <a:buNone/>
+              <a:defRPr sz="1600" kern="1200">
+                <a:solidFill>
+                  <a:schemeClr val="tx1"/>
+                </a:solidFill>
+                <a:latin typeface="+mn-lt"/>
+                <a:ea typeface="+mn-ea"/>
+                <a:cs typeface="+mn-cs"/>
+              </a:defRPr>
+            </a:lvl1pPr>
+            <a:lvl2pPr marL="457200" indent="0" algn="l" defTabSz="457200" rtl="0" eaLnBrk="1" latinLnBrk="0" hangingPunct="1">
+              <a:spcBef>
+                <a:spcPct val="20000"/>
+              </a:spcBef>
+              <a:buFontTx/>
+              <a:buNone/>
+              <a:defRPr sz="2000" kern="1200">
+                <a:solidFill>
+                  <a:schemeClr val="tx1"/>
+                </a:solidFill>
+                <a:latin typeface="+mn-lt"/>
+                <a:ea typeface="+mn-ea"/>
+                <a:cs typeface="+mn-cs"/>
+              </a:defRPr>
+            </a:lvl2pPr>
+            <a:lvl3pPr marL="914400" indent="0" algn="l" defTabSz="457200" rtl="0" eaLnBrk="1" latinLnBrk="0" hangingPunct="1">
+              <a:spcBef>
+                <a:spcPct val="20000"/>
+              </a:spcBef>
+              <a:buFontTx/>
+              <a:buNone/>
+              <a:defRPr sz="1600" kern="1200">
+                <a:solidFill>
+                  <a:schemeClr val="tx1"/>
+                </a:solidFill>
+                <a:latin typeface="+mn-lt"/>
+                <a:ea typeface="+mn-ea"/>
+                <a:cs typeface="+mn-cs"/>
+              </a:defRPr>
+            </a:lvl3pPr>
+            <a:lvl4pPr marL="1371600" indent="0" algn="l" defTabSz="457200" rtl="0" eaLnBrk="1" latinLnBrk="0" hangingPunct="1">
+              <a:spcBef>
+                <a:spcPct val="20000"/>
+              </a:spcBef>
+              <a:buFontTx/>
+              <a:buNone/>
+              <a:defRPr sz="1600" kern="1200">
+                <a:solidFill>
+                  <a:schemeClr val="tx1"/>
+                </a:solidFill>
+                <a:latin typeface="+mn-lt"/>
+                <a:ea typeface="+mn-ea"/>
+                <a:cs typeface="+mn-cs"/>
+              </a:defRPr>
+            </a:lvl4pPr>
+            <a:lvl5pPr marL="1828800" indent="0" algn="l" defTabSz="457200" rtl="0" eaLnBrk="1" latinLnBrk="0" hangingPunct="1">
+              <a:spcBef>
+                <a:spcPct val="20000"/>
+              </a:spcBef>
+              <a:buFontTx/>
+              <a:buNone/>
+              <a:defRPr sz="1600" kern="1200">
+                <a:solidFill>
+                  <a:schemeClr val="tx1"/>
+                </a:solidFill>
+                <a:latin typeface="+mn-lt"/>
+                <a:ea typeface="+mn-ea"/>
+                <a:cs typeface="+mn-cs"/>
+              </a:defRPr>
+            </a:lvl5pPr>
+            <a:lvl6pPr marL="2514600" indent="-228600" algn="l" defTabSz="457200" rtl="0" eaLnBrk="1" latinLnBrk="0" hangingPunct="1">
+              <a:spcBef>
+                <a:spcPct val="20000"/>
+              </a:spcBef>
+              <a:buFont typeface="Arial"/>
+              <a:buChar char="•"/>
+              <a:defRPr sz="2000" kern="1200">
+                <a:solidFill>
+                  <a:schemeClr val="tx1"/>
+                </a:solidFill>
+                <a:latin typeface="+mn-lt"/>
+                <a:ea typeface="+mn-ea"/>
+                <a:cs typeface="+mn-cs"/>
+              </a:defRPr>
+            </a:lvl6pPr>
+            <a:lvl7pPr marL="2971800" indent="-228600" algn="l" defTabSz="457200" rtl="0" eaLnBrk="1" latinLnBrk="0" hangingPunct="1">
+              <a:spcBef>
+                <a:spcPct val="20000"/>
+              </a:spcBef>
+              <a:buFont typeface="Arial"/>
+              <a:buChar char="•"/>
+              <a:defRPr sz="2000" kern="1200">
+                <a:solidFill>
+                  <a:schemeClr val="tx1"/>
+                </a:solidFill>
+                <a:latin typeface="+mn-lt"/>
+                <a:ea typeface="+mn-ea"/>
+                <a:cs typeface="+mn-cs"/>
+              </a:defRPr>
+            </a:lvl7pPr>
+            <a:lvl8pPr marL="3429000" indent="-228600" algn="l" defTabSz="457200" rtl="0" eaLnBrk="1" latinLnBrk="0" hangingPunct="1">
+              <a:spcBef>
+                <a:spcPct val="20000"/>
+              </a:spcBef>
+              <a:buFont typeface="Arial"/>
+              <a:buChar char="•"/>
+              <a:defRPr sz="2000" kern="1200">
+                <a:solidFill>
+                  <a:schemeClr val="tx1"/>
+                </a:solidFill>
+                <a:latin typeface="+mn-lt"/>
+                <a:ea typeface="+mn-ea"/>
+                <a:cs typeface="+mn-cs"/>
+              </a:defRPr>
+            </a:lvl8pPr>
+            <a:lvl9pPr marL="3886200" indent="-228600" algn="l" defTabSz="457200" rtl="0" eaLnBrk="1" latinLnBrk="0" hangingPunct="1">
+              <a:spcBef>
+                <a:spcPct val="20000"/>
+              </a:spcBef>
+              <a:buFont typeface="Arial"/>
+              <a:buChar char="•"/>
+              <a:defRPr sz="2000" kern="1200">
+                <a:solidFill>
+                  <a:schemeClr val="tx1"/>
+                </a:solidFill>
+                <a:latin typeface="+mn-lt"/>
+                <a:ea typeface="+mn-ea"/>
+                <a:cs typeface="+mn-cs"/>
+              </a:defRPr>
+            </a:lvl9pPr>
+          </a:lstStyle>
+          <a:p>
+            <a:r>
+              <a:rPr lang="ru-RU" sz="2000" dirty="0">
+                <a:solidFill>
+                  <a:srgbClr val="000000"/>
+                </a:solidFill>
+              </a:rPr>
+              <a:t>Неодим (</a:t>
+            </a:r>
+            <a:r>
+              <a:rPr lang="en-US" sz="2000" dirty="0">
+                <a:solidFill>
+                  <a:srgbClr val="000000"/>
+                </a:solidFill>
+              </a:rPr>
+              <a:t>Nd)</a:t>
+            </a:r>
+          </a:p>
+        </p:txBody>
+      </p:sp>
+      <p:sp>
+        <p:nvSpPr>
+          <p:cNvPr id="12" name="Text Placeholder 2">
+            <a:extLst>
+              <a:ext uri="{FF2B5EF4-FFF2-40B4-BE49-F238E27FC236}">
+                <a16:creationId xmlns:a16="http://schemas.microsoft.com/office/drawing/2014/main" id="{A05B3C70-EAB9-604B-8380-1571AA46ED01}"/>
+              </a:ext>
+            </a:extLst>
+          </p:cNvPr>
+          <p:cNvSpPr txBox="1">
+            <a:spLocks/>
+          </p:cNvSpPr>
+          <p:nvPr/>
+        </p:nvSpPr>
+        <p:spPr>
+          <a:xfrm>
+            <a:off x="4707172" y="1342549"/>
+            <a:ext cx="2169739" cy="340624"/>
+          </a:xfrm>
+          <a:prstGeom prst="rect">
+            <a:avLst/>
+          </a:prstGeom>
+        </p:spPr>
+        <p:txBody>
+          <a:bodyPr vert="horz" lIns="91440" tIns="45720" rIns="91440" bIns="45720" rtlCol="0">
+            <a:noAutofit/>
+          </a:bodyPr>
+          <a:lstStyle>
+            <a:lvl1pPr marL="0" indent="0" algn="l" defTabSz="457200" rtl="0" eaLnBrk="1" latinLnBrk="0" hangingPunct="1">
+              <a:spcBef>
+                <a:spcPct val="20000"/>
+              </a:spcBef>
+              <a:buSzPct val="100000"/>
+              <a:buFontTx/>
+              <a:buNone/>
+              <a:defRPr sz="1600" kern="1200">
+                <a:solidFill>
+                  <a:schemeClr val="tx1"/>
+                </a:solidFill>
+                <a:latin typeface="+mn-lt"/>
+                <a:ea typeface="+mn-ea"/>
+                <a:cs typeface="+mn-cs"/>
+              </a:defRPr>
+            </a:lvl1pPr>
+            <a:lvl2pPr marL="457200" indent="0" algn="l" defTabSz="457200" rtl="0" eaLnBrk="1" latinLnBrk="0" hangingPunct="1">
+              <a:spcBef>
+                <a:spcPct val="20000"/>
+              </a:spcBef>
+              <a:buFontTx/>
+              <a:buNone/>
+              <a:defRPr sz="2000" kern="1200">
+                <a:solidFill>
+                  <a:schemeClr val="tx1"/>
+                </a:solidFill>
+                <a:latin typeface="+mn-lt"/>
+                <a:ea typeface="+mn-ea"/>
+                <a:cs typeface="+mn-cs"/>
+              </a:defRPr>
+            </a:lvl2pPr>
+            <a:lvl3pPr marL="914400" indent="0" algn="l" defTabSz="457200" rtl="0" eaLnBrk="1" latinLnBrk="0" hangingPunct="1">
+              <a:spcBef>
+                <a:spcPct val="20000"/>
+              </a:spcBef>
+              <a:buFontTx/>
+              <a:buNone/>
+              <a:defRPr sz="1600" kern="1200">
+                <a:solidFill>
+                  <a:schemeClr val="tx1"/>
+                </a:solidFill>
+                <a:latin typeface="+mn-lt"/>
+                <a:ea typeface="+mn-ea"/>
+                <a:cs typeface="+mn-cs"/>
+              </a:defRPr>
+            </a:lvl3pPr>
+            <a:lvl4pPr marL="1371600" indent="0" algn="l" defTabSz="457200" rtl="0" eaLnBrk="1" latinLnBrk="0" hangingPunct="1">
+              <a:spcBef>
+                <a:spcPct val="20000"/>
+              </a:spcBef>
+              <a:buFontTx/>
+              <a:buNone/>
+              <a:defRPr sz="1600" kern="1200">
+                <a:solidFill>
+                  <a:schemeClr val="tx1"/>
+                </a:solidFill>
+                <a:latin typeface="+mn-lt"/>
+                <a:ea typeface="+mn-ea"/>
+                <a:cs typeface="+mn-cs"/>
+              </a:defRPr>
+            </a:lvl4pPr>
+            <a:lvl5pPr marL="1828800" indent="0" algn="l" defTabSz="457200" rtl="0" eaLnBrk="1" latinLnBrk="0" hangingPunct="1">
+              <a:spcBef>
+                <a:spcPct val="20000"/>
+              </a:spcBef>
+              <a:buFontTx/>
+              <a:buNone/>
+              <a:defRPr sz="1600" kern="1200">
+                <a:solidFill>
+                  <a:schemeClr val="tx1"/>
+                </a:solidFill>
+                <a:latin typeface="+mn-lt"/>
+                <a:ea typeface="+mn-ea"/>
+                <a:cs typeface="+mn-cs"/>
+              </a:defRPr>
+            </a:lvl5pPr>
+            <a:lvl6pPr marL="2514600" indent="-228600" algn="l" defTabSz="457200" rtl="0" eaLnBrk="1" latinLnBrk="0" hangingPunct="1">
+              <a:spcBef>
+                <a:spcPct val="20000"/>
+              </a:spcBef>
+              <a:buFont typeface="Arial"/>
+              <a:buChar char="•"/>
+              <a:defRPr sz="2000" kern="1200">
+                <a:solidFill>
+                  <a:schemeClr val="tx1"/>
+                </a:solidFill>
+                <a:latin typeface="+mn-lt"/>
+                <a:ea typeface="+mn-ea"/>
+                <a:cs typeface="+mn-cs"/>
+              </a:defRPr>
+            </a:lvl6pPr>
+            <a:lvl7pPr marL="2971800" indent="-228600" algn="l" defTabSz="457200" rtl="0" eaLnBrk="1" latinLnBrk="0" hangingPunct="1">
+              <a:spcBef>
+                <a:spcPct val="20000"/>
+              </a:spcBef>
+              <a:buFont typeface="Arial"/>
+              <a:buChar char="•"/>
+              <a:defRPr sz="2000" kern="1200">
+                <a:solidFill>
+                  <a:schemeClr val="tx1"/>
+                </a:solidFill>
+                <a:latin typeface="+mn-lt"/>
+                <a:ea typeface="+mn-ea"/>
+                <a:cs typeface="+mn-cs"/>
+              </a:defRPr>
+            </a:lvl7pPr>
+            <a:lvl8pPr marL="3429000" indent="-228600" algn="l" defTabSz="457200" rtl="0" eaLnBrk="1" latinLnBrk="0" hangingPunct="1">
+              <a:spcBef>
+                <a:spcPct val="20000"/>
+              </a:spcBef>
+              <a:buFont typeface="Arial"/>
+              <a:buChar char="•"/>
+              <a:defRPr sz="2000" kern="1200">
+                <a:solidFill>
+                  <a:schemeClr val="tx1"/>
+                </a:solidFill>
+                <a:latin typeface="+mn-lt"/>
+                <a:ea typeface="+mn-ea"/>
+                <a:cs typeface="+mn-cs"/>
+              </a:defRPr>
+            </a:lvl8pPr>
+            <a:lvl9pPr marL="3886200" indent="-228600" algn="l" defTabSz="457200" rtl="0" eaLnBrk="1" latinLnBrk="0" hangingPunct="1">
+              <a:spcBef>
+                <a:spcPct val="20000"/>
+              </a:spcBef>
+              <a:buFont typeface="Arial"/>
+              <a:buChar char="•"/>
+              <a:defRPr sz="2000" kern="1200">
+                <a:solidFill>
+                  <a:schemeClr val="tx1"/>
+                </a:solidFill>
+                <a:latin typeface="+mn-lt"/>
+                <a:ea typeface="+mn-ea"/>
+                <a:cs typeface="+mn-cs"/>
+              </a:defRPr>
+            </a:lvl9pPr>
+          </a:lstStyle>
+          <a:p>
+            <a:r>
+              <a:rPr lang="ru-RU" sz="2000" dirty="0">
+                <a:solidFill>
+                  <a:srgbClr val="000000"/>
+                </a:solidFill>
+              </a:rPr>
+              <a:t>Самарий (</a:t>
+            </a:r>
+            <a:r>
+              <a:rPr lang="en-US" sz="2000" dirty="0" err="1">
+                <a:solidFill>
+                  <a:srgbClr val="000000"/>
+                </a:solidFill>
+              </a:rPr>
+              <a:t>Sm</a:t>
+            </a:r>
+            <a:r>
+              <a:rPr lang="en-US" sz="2000" dirty="0">
+                <a:solidFill>
+                  <a:srgbClr val="000000"/>
+                </a:solidFill>
+              </a:rPr>
+              <a:t>)</a:t>
+            </a:r>
+          </a:p>
+        </p:txBody>
+      </p:sp>
+      <p:sp>
+        <p:nvSpPr>
+          <p:cNvPr id="13" name="Прямоугольник 12">
+            <a:extLst>
+              <a:ext uri="{FF2B5EF4-FFF2-40B4-BE49-F238E27FC236}">
+                <a16:creationId xmlns:a16="http://schemas.microsoft.com/office/drawing/2014/main" id="{82284DB8-51A3-2B4A-9D8D-01AD9D50AF2A}"/>
+              </a:ext>
+            </a:extLst>
+          </p:cNvPr>
+          <p:cNvSpPr/>
+          <p:nvPr/>
+        </p:nvSpPr>
+        <p:spPr>
+          <a:xfrm>
+            <a:off x="4492487" y="4246259"/>
+            <a:ext cx="3846888" cy="253916"/>
+          </a:xfrm>
+          <a:prstGeom prst="rect">
+            <a:avLst/>
+          </a:prstGeom>
+        </p:spPr>
+        <p:txBody>
+          <a:bodyPr wrap="square">
+            <a:spAutoFit/>
+          </a:bodyPr>
+          <a:lstStyle/>
+          <a:p>
+            <a:r>
+              <a:rPr lang="ru-RU" sz="1050" dirty="0">
+                <a:solidFill>
+                  <a:schemeClr val="bg1">
+                    <a:lumMod val="50000"/>
+                  </a:schemeClr>
+                </a:solidFill>
+              </a:rPr>
+              <a:t>Данные предоставлены веб-ресурсом </a:t>
+            </a:r>
+            <a:r>
+              <a:rPr lang="ru-RU" sz="1050" u="sng" dirty="0" err="1">
+                <a:solidFill>
+                  <a:schemeClr val="tx1">
+                    <a:lumMod val="40000"/>
+                    <a:lumOff val="60000"/>
+                  </a:schemeClr>
+                </a:solidFill>
+              </a:rPr>
+              <a:t>https</a:t>
+            </a:r>
+            <a:r>
+              <a:rPr lang="ru-RU" sz="1050" u="sng" dirty="0">
+                <a:solidFill>
+                  <a:schemeClr val="tx1">
+                    <a:lumMod val="40000"/>
+                    <a:lumOff val="60000"/>
+                  </a:schemeClr>
+                </a:solidFill>
+              </a:rPr>
+              <a:t>://</a:t>
+            </a:r>
+            <a:r>
+              <a:rPr lang="ru-RU" sz="1050" u="sng" dirty="0" err="1">
+                <a:solidFill>
+                  <a:schemeClr val="tx1">
+                    <a:lumMod val="40000"/>
+                    <a:lumOff val="60000"/>
+                  </a:schemeClr>
+                </a:solidFill>
+              </a:rPr>
+              <a:t>www.statista.com</a:t>
+            </a:r>
+            <a:r>
+              <a:rPr lang="ru-RU" sz="1050" u="sng" dirty="0">
+                <a:solidFill>
+                  <a:schemeClr val="tx1">
+                    <a:lumMod val="40000"/>
+                    <a:lumOff val="60000"/>
+                  </a:schemeClr>
+                </a:solidFill>
+              </a:rPr>
+              <a:t>/</a:t>
+            </a:r>
+          </a:p>
+        </p:txBody>
+      </p:sp>
+    </p:spTree>
+    <p:extLst>
+      <p:ext uri="{BB962C8B-B14F-4D97-AF65-F5344CB8AC3E}">
+        <p14:creationId xmlns:p14="http://schemas.microsoft.com/office/powerpoint/2010/main" val="1718653990"/>
+      </p:ext>
+    </p:extLst>
+  </p:cSld>
+  <p:clrMapOvr>
+    <a:masterClrMapping/>
+  </p:clrMapOvr>
+</p:sld>
+</file>
+
+<file path=ppt/slides/slide4.xml><?xml version="1.0" encoding="utf-8"?>
+<p:sld xmlns:a="http://schemas.openxmlformats.org/drawingml/2006/main" xmlns:r="http://schemas.openxmlformats.org/officeDocument/2006/relationships" xmlns:p="http://schemas.openxmlformats.org/presentationml/2006/main">
+  <p:cSld>
+    <p:spTree>
+      <p:nvGrpSpPr>
+        <p:cNvPr id="1" name=""/>
+        <p:cNvGrpSpPr/>
+        <p:nvPr/>
+      </p:nvGrpSpPr>
+      <p:grpSpPr>
+        <a:xfrm>
+          <a:off x="0" y="0"/>
+          <a:ext cx="0" cy="0"/>
+          <a:chOff x="0" y="0"/>
+          <a:chExt cx="0" cy="0"/>
+        </a:xfrm>
+      </p:grpSpPr>
+      <p:sp>
+        <p:nvSpPr>
+          <p:cNvPr id="4" name="TextBox 3">
+            <a:extLst>
+              <a:ext uri="{FF2B5EF4-FFF2-40B4-BE49-F238E27FC236}">
+                <a16:creationId xmlns:a16="http://schemas.microsoft.com/office/drawing/2014/main" id="{DE7BBB0B-A20B-8544-83F3-4B2E0F7BF6DD}"/>
+              </a:ext>
+            </a:extLst>
+          </p:cNvPr>
+          <p:cNvSpPr txBox="1"/>
+          <p:nvPr/>
+        </p:nvSpPr>
+        <p:spPr>
+          <a:xfrm>
+            <a:off x="8603311" y="4603805"/>
+            <a:ext cx="540689" cy="369332"/>
+          </a:xfrm>
+          <a:prstGeom prst="rect">
+            <a:avLst/>
+          </a:prstGeom>
+          <a:noFill/>
+        </p:spPr>
+        <p:txBody>
+          <a:bodyPr wrap="square" rtlCol="0">
+            <a:spAutoFit/>
+          </a:bodyPr>
+          <a:lstStyle/>
+          <a:p>
+            <a:r>
+              <a:rPr lang="ru-RU" dirty="0"/>
+              <a:t>4</a:t>
+            </a:r>
+          </a:p>
+        </p:txBody>
+      </p:sp>
+      <p:pic>
+        <p:nvPicPr>
+          <p:cNvPr id="2050" name="Picture 2" descr="Microcontrollers Will Regain Growth After 2019 Slump">
+            <a:extLst>
+              <a:ext uri="{FF2B5EF4-FFF2-40B4-BE49-F238E27FC236}">
+                <a16:creationId xmlns:a16="http://schemas.microsoft.com/office/drawing/2014/main" id="{26B85CF2-9777-C542-A09E-70B2F9A143BB}"/>
+              </a:ext>
+            </a:extLst>
+          </p:cNvPr>
+          <p:cNvPicPr>
+            <a:picLocks noChangeAspect="1" noChangeArrowheads="1"/>
+          </p:cNvPicPr>
+          <p:nvPr/>
+        </p:nvPicPr>
+        <p:blipFill rotWithShape="1">
+          <a:blip r:embed="rId2">
+            <a:extLst>
+              <a:ext uri="{28A0092B-C50C-407E-A947-70E740481C1C}">
+                <a14:useLocalDpi xmlns:a14="http://schemas.microsoft.com/office/drawing/2010/main" val="0"/>
+              </a:ext>
+            </a:extLst>
+          </a:blip>
+          <a:srcRect t="6749" b="4591"/>
+          <a:stretch/>
+        </p:blipFill>
+        <p:spPr bwMode="auto">
+          <a:xfrm>
+            <a:off x="1974822" y="1622065"/>
+            <a:ext cx="5194355" cy="2166665"/>
+          </a:xfrm>
+          <a:prstGeom prst="rect">
+            <a:avLst/>
+          </a:prstGeom>
+          <a:noFill/>
+          <a:extLst>
+            <a:ext uri="{909E8E84-426E-40DD-AFC4-6F175D3DCCD1}">
+              <a14:hiddenFill xmlns:a14="http://schemas.microsoft.com/office/drawing/2010/main">
+                <a:solidFill>
+                  <a:srgbClr val="FFFFFF"/>
+                </a:solidFill>
+              </a14:hiddenFill>
+            </a:ext>
+          </a:extLst>
+        </p:spPr>
+      </p:pic>
+      <p:sp>
+        <p:nvSpPr>
+          <p:cNvPr id="11" name="Прямоугольник 10">
+            <a:extLst>
+              <a:ext uri="{FF2B5EF4-FFF2-40B4-BE49-F238E27FC236}">
+                <a16:creationId xmlns:a16="http://schemas.microsoft.com/office/drawing/2014/main" id="{07C16A0D-BD56-3C4E-85ED-F7D1D97B6CD6}"/>
+              </a:ext>
+            </a:extLst>
+          </p:cNvPr>
+          <p:cNvSpPr/>
+          <p:nvPr/>
+        </p:nvSpPr>
+        <p:spPr>
+          <a:xfrm>
+            <a:off x="6209969" y="4246259"/>
+            <a:ext cx="2129406" cy="253916"/>
+          </a:xfrm>
+          <a:prstGeom prst="rect">
+            <a:avLst/>
+          </a:prstGeom>
+        </p:spPr>
+        <p:txBody>
+          <a:bodyPr wrap="square">
+            <a:spAutoFit/>
+          </a:bodyPr>
+          <a:lstStyle/>
+          <a:p>
+            <a:r>
+              <a:rPr lang="ru-RU" sz="1050" dirty="0">
+                <a:solidFill>
+                  <a:schemeClr val="bg1">
+                    <a:lumMod val="50000"/>
+                  </a:schemeClr>
+                </a:solidFill>
+              </a:rPr>
+              <a:t>Данные предоставлены </a:t>
+            </a:r>
+            <a:r>
+              <a:rPr lang="en-US" sz="1050" dirty="0">
+                <a:solidFill>
+                  <a:schemeClr val="bg1">
+                    <a:lumMod val="50000"/>
+                  </a:schemeClr>
+                </a:solidFill>
+              </a:rPr>
+              <a:t>IC</a:t>
+            </a:r>
+            <a:r>
+              <a:rPr lang="ru-RU" sz="1050" dirty="0">
+                <a:solidFill>
+                  <a:schemeClr val="bg1">
+                    <a:lumMod val="50000"/>
+                  </a:schemeClr>
+                </a:solidFill>
+              </a:rPr>
+              <a:t> </a:t>
+            </a:r>
+            <a:r>
+              <a:rPr lang="en-US" sz="1050" dirty="0">
+                <a:solidFill>
+                  <a:schemeClr val="bg1">
+                    <a:lumMod val="50000"/>
+                  </a:schemeClr>
+                </a:solidFill>
+              </a:rPr>
+              <a:t>insights</a:t>
+            </a:r>
+            <a:endParaRPr lang="ru-RU" sz="1050" dirty="0">
+              <a:solidFill>
+                <a:schemeClr val="bg1">
+                  <a:lumMod val="50000"/>
+                </a:schemeClr>
+              </a:solidFill>
+            </a:endParaRPr>
+          </a:p>
+        </p:txBody>
+      </p:sp>
+      <p:sp>
+        <p:nvSpPr>
+          <p:cNvPr id="13" name="Text Placeholder 2">
+            <a:extLst>
+              <a:ext uri="{FF2B5EF4-FFF2-40B4-BE49-F238E27FC236}">
+                <a16:creationId xmlns:a16="http://schemas.microsoft.com/office/drawing/2014/main" id="{163B55F1-1FEB-5D4A-8478-F974982772A2}"/>
+              </a:ext>
+            </a:extLst>
+          </p:cNvPr>
+          <p:cNvSpPr>
+            <a:spLocks noGrp="1"/>
+          </p:cNvSpPr>
+          <p:nvPr>
+            <p:ph type="body" sz="quarter" idx="10"/>
+          </p:nvPr>
+        </p:nvSpPr>
+        <p:spPr>
+          <a:xfrm>
+            <a:off x="565510" y="770283"/>
+            <a:ext cx="8141168" cy="340624"/>
+          </a:xfrm>
+        </p:spPr>
+        <p:txBody>
+          <a:bodyPr>
+            <a:noAutofit/>
+          </a:bodyPr>
+          <a:lstStyle/>
+          <a:p>
+            <a:r>
+              <a:rPr lang="ru-RU" sz="2000" dirty="0">
+                <a:solidFill>
+                  <a:srgbClr val="000000"/>
+                </a:solidFill>
+              </a:rPr>
+              <a:t>Цены на микроконтроллеры</a:t>
+            </a:r>
+            <a:endParaRPr lang="en-US" sz="2000" dirty="0">
+              <a:solidFill>
+                <a:srgbClr val="000000"/>
+              </a:solidFill>
+            </a:endParaRPr>
+          </a:p>
+        </p:txBody>
+      </p:sp>
+      <p:sp>
+        <p:nvSpPr>
+          <p:cNvPr id="14" name="Прямоугольник 13">
+            <a:extLst>
+              <a:ext uri="{FF2B5EF4-FFF2-40B4-BE49-F238E27FC236}">
+                <a16:creationId xmlns:a16="http://schemas.microsoft.com/office/drawing/2014/main" id="{5DE4CB02-59D4-624D-92AC-0BD6CB6CD7A4}"/>
+              </a:ext>
+            </a:extLst>
+          </p:cNvPr>
+          <p:cNvSpPr/>
+          <p:nvPr/>
+        </p:nvSpPr>
+        <p:spPr>
+          <a:xfrm>
+            <a:off x="1974822" y="4246259"/>
+            <a:ext cx="2129406" cy="253916"/>
+          </a:xfrm>
+          <a:prstGeom prst="rect">
+            <a:avLst/>
+          </a:prstGeom>
+        </p:spPr>
+        <p:txBody>
+          <a:bodyPr wrap="square">
+            <a:spAutoFit/>
+          </a:bodyPr>
+          <a:lstStyle/>
+          <a:p>
+            <a:r>
+              <a:rPr lang="en-US" sz="1050" dirty="0">
+                <a:solidFill>
+                  <a:schemeClr val="bg1">
+                    <a:lumMod val="50000"/>
+                  </a:schemeClr>
+                </a:solidFill>
+              </a:rPr>
+              <a:t>ASP – Average Selling Price</a:t>
+            </a:r>
+            <a:endParaRPr lang="ru-RU" sz="1050" dirty="0">
+              <a:solidFill>
+                <a:schemeClr val="bg1">
+                  <a:lumMod val="50000"/>
+                </a:schemeClr>
+              </a:solidFill>
+            </a:endParaRPr>
+          </a:p>
+        </p:txBody>
+      </p:sp>
+    </p:spTree>
+    <p:extLst>
+      <p:ext uri="{BB962C8B-B14F-4D97-AF65-F5344CB8AC3E}">
+        <p14:creationId xmlns:p14="http://schemas.microsoft.com/office/powerpoint/2010/main" val="905110238"/>
+      </p:ext>
+    </p:extLst>
+  </p:cSld>
+  <p:clrMapOvr>
+    <a:masterClrMapping/>
+  </p:clrMapOvr>
+</p:sld>
+</file>
+
+<file path=ppt/slides/slide5.xml><?xml version="1.0" encoding="utf-8"?>
+<p:sld xmlns:a="http://schemas.openxmlformats.org/drawingml/2006/main" xmlns:r="http://schemas.openxmlformats.org/officeDocument/2006/relationships" xmlns:p="http://schemas.openxmlformats.org/presentationml/2006/main">
+  <p:cSld>
+    <p:spTree>
+      <p:nvGrpSpPr>
+        <p:cNvPr id="1" name=""/>
+        <p:cNvGrpSpPr/>
+        <p:nvPr/>
+      </p:nvGrpSpPr>
+      <p:grpSpPr>
+        <a:xfrm>
+          <a:off x="0" y="0"/>
+          <a:ext cx="0" cy="0"/>
+          <a:chOff x="0" y="0"/>
+          <a:chExt cx="0" cy="0"/>
+        </a:xfrm>
+      </p:grpSpPr>
+      <p:sp>
+        <p:nvSpPr>
+          <p:cNvPr id="4" name="TextBox 3">
+            <a:extLst>
+              <a:ext uri="{FF2B5EF4-FFF2-40B4-BE49-F238E27FC236}">
+                <a16:creationId xmlns:a16="http://schemas.microsoft.com/office/drawing/2014/main" id="{DE7BBB0B-A20B-8544-83F3-4B2E0F7BF6DD}"/>
+              </a:ext>
+            </a:extLst>
+          </p:cNvPr>
+          <p:cNvSpPr txBox="1"/>
+          <p:nvPr/>
+        </p:nvSpPr>
+        <p:spPr>
+          <a:xfrm>
+            <a:off x="8603311" y="4603805"/>
+            <a:ext cx="540689" cy="369332"/>
+          </a:xfrm>
+          <a:prstGeom prst="rect">
+            <a:avLst/>
+          </a:prstGeom>
+          <a:noFill/>
+        </p:spPr>
+        <p:txBody>
+          <a:bodyPr wrap="square" rtlCol="0">
+            <a:spAutoFit/>
+          </a:bodyPr>
+          <a:lstStyle/>
+          <a:p>
+            <a:r>
+              <a:rPr lang="ru-RU" dirty="0"/>
+              <a:t>5</a:t>
+            </a:r>
+          </a:p>
+        </p:txBody>
+      </p:sp>
+      <p:sp>
+        <p:nvSpPr>
+          <p:cNvPr id="5" name="Title 1">
+            <a:extLst>
+              <a:ext uri="{FF2B5EF4-FFF2-40B4-BE49-F238E27FC236}">
+                <a16:creationId xmlns:a16="http://schemas.microsoft.com/office/drawing/2014/main" id="{E2D29D9E-AE26-C044-984E-06C48CEE051D}"/>
+              </a:ext>
+            </a:extLst>
+          </p:cNvPr>
+          <p:cNvSpPr txBox="1">
+            <a:spLocks/>
+          </p:cNvSpPr>
+          <p:nvPr/>
+        </p:nvSpPr>
+        <p:spPr>
+          <a:xfrm>
+            <a:off x="457200" y="753214"/>
+            <a:ext cx="6273934" cy="620483"/>
+          </a:xfrm>
+          <a:prstGeom prst="rect">
+            <a:avLst/>
+          </a:prstGeom>
+        </p:spPr>
+        <p:txBody>
+          <a:bodyPr vert="horz" lIns="91440" tIns="45720" rIns="91440" bIns="45720" rtlCol="0" anchor="b">
+            <a:normAutofit/>
+          </a:bodyPr>
+          <a:lstStyle>
+            <a:lvl1pPr algn="l" defTabSz="457200" rtl="0" eaLnBrk="1" latinLnBrk="0" hangingPunct="1">
+              <a:spcBef>
+                <a:spcPct val="0"/>
+              </a:spcBef>
+              <a:buNone/>
+              <a:defRPr sz="3200" b="0" i="0" kern="1200" baseline="0">
+                <a:solidFill>
+                  <a:schemeClr val="tx1"/>
+                </a:solidFill>
+                <a:latin typeface="+mj-lt"/>
+                <a:ea typeface="+mj-ea"/>
+                <a:cs typeface="+mj-cs"/>
+              </a:defRPr>
+            </a:lvl1pPr>
+          </a:lstStyle>
+          <a:p>
+            <a:r>
+              <a:rPr lang="ru-RU" b="1" dirty="0">
+                <a:solidFill>
+                  <a:srgbClr val="000000"/>
+                </a:solidFill>
+              </a:rPr>
+              <a:t>Требования</a:t>
+            </a:r>
+            <a:endParaRPr lang="en-US" b="1" dirty="0">
+              <a:solidFill>
+                <a:srgbClr val="000000"/>
+              </a:solidFill>
+            </a:endParaRPr>
+          </a:p>
+        </p:txBody>
+      </p:sp>
+      <p:sp>
+        <p:nvSpPr>
+          <p:cNvPr id="6" name="Content Placeholder 2">
+            <a:extLst>
+              <a:ext uri="{FF2B5EF4-FFF2-40B4-BE49-F238E27FC236}">
+                <a16:creationId xmlns:a16="http://schemas.microsoft.com/office/drawing/2014/main" id="{7A3056F9-D741-3B42-93D1-4A9CE57D11C4}"/>
+              </a:ext>
+            </a:extLst>
+          </p:cNvPr>
+          <p:cNvSpPr txBox="1">
+            <a:spLocks/>
+          </p:cNvSpPr>
+          <p:nvPr/>
+        </p:nvSpPr>
+        <p:spPr>
+          <a:xfrm>
+            <a:off x="457200" y="1571965"/>
+            <a:ext cx="6273934" cy="2848490"/>
+          </a:xfrm>
+          <a:prstGeom prst="rect">
+            <a:avLst/>
+          </a:prstGeom>
+        </p:spPr>
+        <p:txBody>
+          <a:bodyPr>
+            <a:normAutofit/>
+          </a:bodyPr>
+          <a:lstStyle>
+            <a:lvl1pPr marL="342900" indent="-342900" algn="l" defTabSz="457200" rtl="0" eaLnBrk="1" latinLnBrk="0" hangingPunct="1">
+              <a:spcBef>
+                <a:spcPct val="20000"/>
+              </a:spcBef>
+              <a:buSzPct val="100000"/>
+              <a:buFontTx/>
+              <a:buBlip>
+                <a:blip r:embed="rId2"/>
+              </a:buBlip>
+              <a:defRPr sz="2000" kern="1200">
+                <a:solidFill>
+                  <a:schemeClr val="tx1"/>
+                </a:solidFill>
+                <a:latin typeface="+mn-lt"/>
+                <a:ea typeface="+mn-ea"/>
+                <a:cs typeface="+mn-cs"/>
+              </a:defRPr>
+            </a:lvl1pPr>
+            <a:lvl2pPr marL="742950" indent="-285750" algn="l" defTabSz="457200" rtl="0" eaLnBrk="1" latinLnBrk="0" hangingPunct="1">
+              <a:spcBef>
+                <a:spcPct val="20000"/>
+              </a:spcBef>
+              <a:buFont typeface="Arial"/>
+              <a:buChar char="•"/>
+              <a:defRPr sz="2000" kern="1200">
+                <a:solidFill>
+                  <a:schemeClr val="tx1"/>
+                </a:solidFill>
+                <a:latin typeface="+mn-lt"/>
+                <a:ea typeface="+mn-ea"/>
+                <a:cs typeface="+mn-cs"/>
+              </a:defRPr>
+            </a:lvl2pPr>
+            <a:lvl3pPr marL="1143000" indent="-228600" algn="l" defTabSz="457200" rtl="0" eaLnBrk="1" latinLnBrk="0" hangingPunct="1">
+              <a:spcBef>
+                <a:spcPct val="20000"/>
+              </a:spcBef>
+              <a:buFont typeface="Arial"/>
+              <a:buChar char="•"/>
+              <a:defRPr sz="1600" kern="1200">
+                <a:solidFill>
+                  <a:schemeClr val="tx1"/>
+                </a:solidFill>
+                <a:latin typeface="+mn-lt"/>
+                <a:ea typeface="+mn-ea"/>
+                <a:cs typeface="+mn-cs"/>
+              </a:defRPr>
+            </a:lvl3pPr>
+            <a:lvl4pPr marL="1600200" indent="-228600" algn="l" defTabSz="457200" rtl="0" eaLnBrk="1" latinLnBrk="0" hangingPunct="1">
+              <a:spcBef>
+                <a:spcPct val="20000"/>
+              </a:spcBef>
+              <a:buFont typeface="Arial"/>
+              <a:buChar char="•"/>
+              <a:defRPr sz="1600" kern="1200">
+                <a:solidFill>
+                  <a:schemeClr val="tx1"/>
+                </a:solidFill>
+                <a:latin typeface="+mn-lt"/>
+                <a:ea typeface="+mn-ea"/>
+                <a:cs typeface="+mn-cs"/>
+              </a:defRPr>
+            </a:lvl4pPr>
+            <a:lvl5pPr marL="2057400" indent="-228600" algn="l" defTabSz="457200" rtl="0" eaLnBrk="1" latinLnBrk="0" hangingPunct="1">
+              <a:spcBef>
+                <a:spcPct val="20000"/>
+              </a:spcBef>
+              <a:buFont typeface="Arial"/>
+              <a:buChar char="•"/>
+              <a:defRPr sz="1600" kern="1200">
+                <a:solidFill>
+                  <a:schemeClr val="tx1"/>
+                </a:solidFill>
+                <a:latin typeface="+mn-lt"/>
+                <a:ea typeface="+mn-ea"/>
+                <a:cs typeface="+mn-cs"/>
+              </a:defRPr>
+            </a:lvl5pPr>
+            <a:lvl6pPr marL="2514600" indent="-228600" algn="l" defTabSz="457200" rtl="0" eaLnBrk="1" latinLnBrk="0" hangingPunct="1">
+              <a:spcBef>
+                <a:spcPct val="20000"/>
+              </a:spcBef>
+              <a:buFont typeface="Arial"/>
+              <a:buChar char="•"/>
+              <a:defRPr sz="2000" kern="1200">
+                <a:solidFill>
+                  <a:schemeClr val="tx1"/>
+                </a:solidFill>
+                <a:latin typeface="+mn-lt"/>
+                <a:ea typeface="+mn-ea"/>
+                <a:cs typeface="+mn-cs"/>
+              </a:defRPr>
+            </a:lvl6pPr>
+            <a:lvl7pPr marL="2971800" indent="-228600" algn="l" defTabSz="457200" rtl="0" eaLnBrk="1" latinLnBrk="0" hangingPunct="1">
+              <a:spcBef>
+                <a:spcPct val="20000"/>
+              </a:spcBef>
+              <a:buFont typeface="Arial"/>
+              <a:buChar char="•"/>
+              <a:defRPr sz="2000" kern="1200">
+                <a:solidFill>
+                  <a:schemeClr val="tx1"/>
+                </a:solidFill>
+                <a:latin typeface="+mn-lt"/>
+                <a:ea typeface="+mn-ea"/>
+                <a:cs typeface="+mn-cs"/>
+              </a:defRPr>
+            </a:lvl7pPr>
+            <a:lvl8pPr marL="3429000" indent="-228600" algn="l" defTabSz="457200" rtl="0" eaLnBrk="1" latinLnBrk="0" hangingPunct="1">
+              <a:spcBef>
+                <a:spcPct val="20000"/>
+              </a:spcBef>
+              <a:buFont typeface="Arial"/>
+              <a:buChar char="•"/>
+              <a:defRPr sz="2000" kern="1200">
+                <a:solidFill>
+                  <a:schemeClr val="tx1"/>
+                </a:solidFill>
+                <a:latin typeface="+mn-lt"/>
+                <a:ea typeface="+mn-ea"/>
+                <a:cs typeface="+mn-cs"/>
+              </a:defRPr>
+            </a:lvl8pPr>
+            <a:lvl9pPr marL="3886200" indent="-228600" algn="l" defTabSz="457200" rtl="0" eaLnBrk="1" latinLnBrk="0" hangingPunct="1">
+              <a:spcBef>
+                <a:spcPct val="20000"/>
+              </a:spcBef>
+              <a:buFont typeface="Arial"/>
+              <a:buChar char="•"/>
+              <a:defRPr sz="2000" kern="1200">
+                <a:solidFill>
+                  <a:schemeClr val="tx1"/>
+                </a:solidFill>
+                <a:latin typeface="+mn-lt"/>
+                <a:ea typeface="+mn-ea"/>
+                <a:cs typeface="+mn-cs"/>
+              </a:defRPr>
+            </a:lvl9pPr>
+          </a:lstStyle>
+          <a:p>
+            <a:pPr>
+              <a:buClr>
+                <a:srgbClr val="1946BA"/>
+              </a:buClr>
+              <a:buFont typeface="Arial" pitchFamily="34" charset="0"/>
+              <a:buChar char="•"/>
+            </a:pPr>
+            <a:r>
+              <a:rPr lang="ru-RU" dirty="0">
+                <a:solidFill>
+                  <a:srgbClr val="000000"/>
+                </a:solidFill>
+              </a:rPr>
+              <a:t>Удобный и быстрый интерфейс для обмена данными</a:t>
+            </a:r>
+          </a:p>
+          <a:p>
+            <a:pPr>
+              <a:buClr>
+                <a:srgbClr val="1946BA"/>
+              </a:buClr>
+              <a:buFont typeface="Arial" pitchFamily="34" charset="0"/>
+              <a:buChar char="•"/>
+            </a:pPr>
+            <a:r>
+              <a:rPr lang="ru-RU" dirty="0">
+                <a:solidFill>
+                  <a:srgbClr val="000000"/>
+                </a:solidFill>
+              </a:rPr>
+              <a:t>Возможность исследования двигателя под нагрузкой</a:t>
+            </a:r>
+          </a:p>
+          <a:p>
+            <a:pPr>
+              <a:buClr>
+                <a:srgbClr val="1946BA"/>
+              </a:buClr>
+              <a:buFont typeface="Arial" pitchFamily="34" charset="0"/>
+              <a:buChar char="•"/>
+            </a:pPr>
+            <a:r>
+              <a:rPr lang="ru-RU" dirty="0">
+                <a:solidFill>
+                  <a:srgbClr val="000000"/>
+                </a:solidFill>
+              </a:rPr>
+              <a:t>Возможность исследования электрических параметров обмоток двигателя</a:t>
+            </a:r>
+          </a:p>
+          <a:p>
+            <a:pPr>
+              <a:buClr>
+                <a:srgbClr val="1946BA"/>
+              </a:buClr>
+              <a:buFont typeface="Arial" pitchFamily="34" charset="0"/>
+              <a:buChar char="•"/>
+            </a:pPr>
+            <a:r>
+              <a:rPr lang="en-US" dirty="0">
+                <a:solidFill>
+                  <a:srgbClr val="000000"/>
+                </a:solidFill>
+              </a:rPr>
+              <a:t>Plug-n-play</a:t>
+            </a:r>
+            <a:r>
+              <a:rPr lang="ru-RU" dirty="0">
+                <a:solidFill>
+                  <a:srgbClr val="000000"/>
+                </a:solidFill>
+              </a:rPr>
+              <a:t> архитектура</a:t>
+            </a:r>
+            <a:endParaRPr lang="en-US" dirty="0">
+              <a:solidFill>
+                <a:srgbClr val="000000"/>
+              </a:solidFill>
+            </a:endParaRPr>
+          </a:p>
+        </p:txBody>
+      </p:sp>
+    </p:spTree>
+    <p:extLst>
+      <p:ext uri="{BB962C8B-B14F-4D97-AF65-F5344CB8AC3E}">
+        <p14:creationId xmlns:p14="http://schemas.microsoft.com/office/powerpoint/2010/main" val="2066228519"/>
+      </p:ext>
+    </p:extLst>
+  </p:cSld>
+  <p:clrMapOvr>
+    <a:masterClrMapping/>
+  </p:clrMapOvr>
+</p:sld>
+</file>
+
+<file path=ppt/slides/slide6.xml><?xml version="1.0" encoding="utf-8"?>
+<p:sld xmlns:a="http://schemas.openxmlformats.org/drawingml/2006/main" xmlns:r="http://schemas.openxmlformats.org/officeDocument/2006/relationships" xmlns:p="http://schemas.openxmlformats.org/presentationml/2006/main">
+  <p:cSld>
+    <p:spTree>
+      <p:nvGrpSpPr>
+        <p:cNvPr id="1" name=""/>
+        <p:cNvGrpSpPr/>
+        <p:nvPr/>
+      </p:nvGrpSpPr>
+      <p:grpSpPr>
+        <a:xfrm>
+          <a:off x="0" y="0"/>
+          <a:ext cx="0" cy="0"/>
+          <a:chOff x="0" y="0"/>
+          <a:chExt cx="0" cy="0"/>
+        </a:xfrm>
+      </p:grpSpPr>
+      <p:sp>
+        <p:nvSpPr>
+          <p:cNvPr id="4" name="TextBox 3">
+            <a:extLst>
+              <a:ext uri="{FF2B5EF4-FFF2-40B4-BE49-F238E27FC236}">
+                <a16:creationId xmlns:a16="http://schemas.microsoft.com/office/drawing/2014/main" id="{DE7BBB0B-A20B-8544-83F3-4B2E0F7BF6DD}"/>
+              </a:ext>
+            </a:extLst>
+          </p:cNvPr>
+          <p:cNvSpPr txBox="1"/>
+          <p:nvPr/>
+        </p:nvSpPr>
+        <p:spPr>
+          <a:xfrm>
+            <a:off x="8603311" y="4603805"/>
+            <a:ext cx="540689" cy="369332"/>
+          </a:xfrm>
+          <a:prstGeom prst="rect">
+            <a:avLst/>
+          </a:prstGeom>
+          <a:noFill/>
+        </p:spPr>
+        <p:txBody>
+          <a:bodyPr wrap="square" rtlCol="0">
+            <a:spAutoFit/>
+          </a:bodyPr>
+          <a:lstStyle/>
+          <a:p>
+            <a:r>
+              <a:rPr lang="ru-RU" dirty="0"/>
+              <a:t>6</a:t>
+            </a:r>
+          </a:p>
+        </p:txBody>
+      </p:sp>
+      <p:sp>
+        <p:nvSpPr>
+          <p:cNvPr id="5" name="Title 1">
+            <a:extLst>
+              <a:ext uri="{FF2B5EF4-FFF2-40B4-BE49-F238E27FC236}">
+                <a16:creationId xmlns:a16="http://schemas.microsoft.com/office/drawing/2014/main" id="{E2D29D9E-AE26-C044-984E-06C48CEE051D}"/>
+              </a:ext>
+            </a:extLst>
+          </p:cNvPr>
+          <p:cNvSpPr txBox="1">
+            <a:spLocks/>
+          </p:cNvSpPr>
+          <p:nvPr/>
+        </p:nvSpPr>
+        <p:spPr>
+          <a:xfrm>
+            <a:off x="457200" y="753214"/>
+            <a:ext cx="6273934" cy="620483"/>
+          </a:xfrm>
+          <a:prstGeom prst="rect">
+            <a:avLst/>
+          </a:prstGeom>
+        </p:spPr>
+        <p:txBody>
+          <a:bodyPr vert="horz" lIns="91440" tIns="45720" rIns="91440" bIns="45720" rtlCol="0" anchor="b">
+            <a:normAutofit/>
+          </a:bodyPr>
+          <a:lstStyle>
+            <a:lvl1pPr algn="l" defTabSz="457200" rtl="0" eaLnBrk="1" latinLnBrk="0" hangingPunct="1">
+              <a:spcBef>
+                <a:spcPct val="0"/>
+              </a:spcBef>
+              <a:buNone/>
+              <a:defRPr sz="3200" b="0" i="0" kern="1200" baseline="0">
+                <a:solidFill>
+                  <a:schemeClr val="tx1"/>
+                </a:solidFill>
+                <a:latin typeface="+mj-lt"/>
+                <a:ea typeface="+mj-ea"/>
+                <a:cs typeface="+mj-cs"/>
+              </a:defRPr>
+            </a:lvl1pPr>
+          </a:lstStyle>
+          <a:p>
+            <a:r>
+              <a:rPr lang="ru-RU" b="1" dirty="0">
+                <a:solidFill>
+                  <a:srgbClr val="000000"/>
+                </a:solidFill>
+              </a:rPr>
+              <a:t>Технические решения</a:t>
+            </a:r>
+            <a:endParaRPr lang="en-US" b="1" dirty="0">
+              <a:solidFill>
+                <a:srgbClr val="000000"/>
+              </a:solidFill>
+            </a:endParaRPr>
+          </a:p>
+        </p:txBody>
+      </p:sp>
+      <p:pic>
+        <p:nvPicPr>
+          <p:cNvPr id="5124" name="Picture 4" descr="ДБМ 63-0,06-3-2">
+            <a:extLst>
+              <a:ext uri="{FF2B5EF4-FFF2-40B4-BE49-F238E27FC236}">
+                <a16:creationId xmlns:a16="http://schemas.microsoft.com/office/drawing/2014/main" id="{0000CA3A-1ACF-D04A-A5BF-F02CF7FF792A}"/>
+              </a:ext>
+            </a:extLst>
+          </p:cNvPr>
+          <p:cNvPicPr>
+            <a:picLocks noChangeAspect="1" noChangeArrowheads="1"/>
+          </p:cNvPicPr>
+          <p:nvPr/>
+        </p:nvPicPr>
+        <p:blipFill>
+          <a:blip r:embed="rId2">
+            <a:extLst>
+              <a:ext uri="{28A0092B-C50C-407E-A947-70E740481C1C}">
+                <a14:useLocalDpi xmlns:a14="http://schemas.microsoft.com/office/drawing/2010/main" val="0"/>
+              </a:ext>
+            </a:extLst>
+          </a:blip>
+          <a:srcRect/>
+          <a:stretch>
+            <a:fillRect/>
+          </a:stretch>
+        </p:blipFill>
+        <p:spPr bwMode="auto">
+          <a:xfrm>
+            <a:off x="1138212" y="2032747"/>
+            <a:ext cx="2545579" cy="2122784"/>
+          </a:xfrm>
+          <a:prstGeom prst="rect">
+            <a:avLst/>
+          </a:prstGeom>
+          <a:noFill/>
+          <a:extLst>
+            <a:ext uri="{909E8E84-426E-40DD-AFC4-6F175D3DCCD1}">
+              <a14:hiddenFill xmlns:a14="http://schemas.microsoft.com/office/drawing/2010/main">
+                <a:solidFill>
+                  <a:srgbClr val="FFFFFF"/>
+                </a:solidFill>
+              </a14:hiddenFill>
+            </a:ext>
+          </a:extLst>
+        </p:spPr>
+      </p:pic>
+      <p:sp>
+        <p:nvSpPr>
+          <p:cNvPr id="7" name="Text Placeholder 2">
+            <a:extLst>
+              <a:ext uri="{FF2B5EF4-FFF2-40B4-BE49-F238E27FC236}">
+                <a16:creationId xmlns:a16="http://schemas.microsoft.com/office/drawing/2014/main" id="{D2651D9D-F78F-964A-A58A-0EC6570C2F5A}"/>
+              </a:ext>
+            </a:extLst>
+          </p:cNvPr>
+          <p:cNvSpPr>
+            <a:spLocks noGrp="1"/>
+          </p:cNvSpPr>
+          <p:nvPr>
+            <p:ph type="body" sz="quarter" idx="10"/>
+          </p:nvPr>
+        </p:nvSpPr>
+        <p:spPr>
+          <a:xfrm>
+            <a:off x="457200" y="1491398"/>
+            <a:ext cx="3666374" cy="788177"/>
+          </a:xfrm>
+        </p:spPr>
+        <p:txBody>
+          <a:bodyPr>
+            <a:noAutofit/>
+          </a:bodyPr>
+          <a:lstStyle/>
+          <a:p>
+            <a:pPr algn="just"/>
+            <a:r>
+              <a:rPr lang="ru-RU" sz="2000" dirty="0">
+                <a:solidFill>
+                  <a:srgbClr val="000000"/>
+                </a:solidFill>
+              </a:rPr>
+              <a:t>Исследуемый двигатель ДБМ63</a:t>
+            </a:r>
+          </a:p>
+        </p:txBody>
+      </p:sp>
+      <p:pic>
+        <p:nvPicPr>
+          <p:cNvPr id="2" name="Рисунок 1">
+            <a:extLst>
+              <a:ext uri="{FF2B5EF4-FFF2-40B4-BE49-F238E27FC236}">
+                <a16:creationId xmlns:a16="http://schemas.microsoft.com/office/drawing/2014/main" id="{73004D9D-242B-C64E-A8A2-FF9CA6EDB243}"/>
+              </a:ext>
+            </a:extLst>
+          </p:cNvPr>
+          <p:cNvPicPr>
+            <a:picLocks noChangeAspect="1"/>
+          </p:cNvPicPr>
+          <p:nvPr/>
+        </p:nvPicPr>
+        <p:blipFill>
+          <a:blip r:embed="rId3"/>
+          <a:stretch>
+            <a:fillRect/>
+          </a:stretch>
+        </p:blipFill>
+        <p:spPr>
+          <a:xfrm>
+            <a:off x="4942090" y="2144646"/>
+            <a:ext cx="3578085" cy="2010884"/>
+          </a:xfrm>
+          <a:prstGeom prst="rect">
+            <a:avLst/>
+          </a:prstGeom>
+        </p:spPr>
+      </p:pic>
+      <p:sp>
+        <p:nvSpPr>
+          <p:cNvPr id="8" name="Прямоугольник 7">
+            <a:extLst>
+              <a:ext uri="{FF2B5EF4-FFF2-40B4-BE49-F238E27FC236}">
+                <a16:creationId xmlns:a16="http://schemas.microsoft.com/office/drawing/2014/main" id="{68AF1FC0-5AE7-734D-90DF-FDE49ED8A4C9}"/>
+              </a:ext>
+            </a:extLst>
+          </p:cNvPr>
+          <p:cNvSpPr/>
+          <p:nvPr/>
+        </p:nvSpPr>
+        <p:spPr>
+          <a:xfrm>
+            <a:off x="5146052" y="1491398"/>
+            <a:ext cx="3170163" cy="369332"/>
+          </a:xfrm>
+          <a:prstGeom prst="rect">
+            <a:avLst/>
+          </a:prstGeom>
+        </p:spPr>
+        <p:txBody>
+          <a:bodyPr wrap="none">
+            <a:spAutoFit/>
+          </a:bodyPr>
+          <a:lstStyle/>
+          <a:p>
+            <a:pPr algn="just"/>
+            <a:r>
+              <a:rPr lang="ru-RU" dirty="0">
+                <a:solidFill>
+                  <a:srgbClr val="000000"/>
+                </a:solidFill>
+              </a:rPr>
+              <a:t>Нагрузочный двигатель Д5-ТР</a:t>
+            </a:r>
+          </a:p>
+        </p:txBody>
+      </p:sp>
+    </p:spTree>
+    <p:extLst>
+      <p:ext uri="{BB962C8B-B14F-4D97-AF65-F5344CB8AC3E}">
+        <p14:creationId xmlns:p14="http://schemas.microsoft.com/office/powerpoint/2010/main" val="513746804"/>
+      </p:ext>
+    </p:extLst>
+  </p:cSld>
+  <p:clrMapOvr>
+    <a:masterClrMapping/>
+  </p:clrMapOvr>
+</p:sld>
+</file>
+
+<file path=ppt/slides/slide7.xml><?xml version="1.0" encoding="utf-8"?>
+<p:sld xmlns:a="http://schemas.openxmlformats.org/drawingml/2006/main" xmlns:r="http://schemas.openxmlformats.org/officeDocument/2006/relationships" xmlns:p="http://schemas.openxmlformats.org/presentationml/2006/main">
+  <p:cSld>
+    <p:spTree>
+      <p:nvGrpSpPr>
+        <p:cNvPr id="1" name=""/>
+        <p:cNvGrpSpPr/>
+        <p:nvPr/>
+      </p:nvGrpSpPr>
+      <p:grpSpPr>
+        <a:xfrm>
+          <a:off x="0" y="0"/>
+          <a:ext cx="0" cy="0"/>
+          <a:chOff x="0" y="0"/>
+          <a:chExt cx="0" cy="0"/>
+        </a:xfrm>
+      </p:grpSpPr>
+      <p:sp>
+        <p:nvSpPr>
+          <p:cNvPr id="4" name="TextBox 3">
+            <a:extLst>
+              <a:ext uri="{FF2B5EF4-FFF2-40B4-BE49-F238E27FC236}">
+                <a16:creationId xmlns:a16="http://schemas.microsoft.com/office/drawing/2014/main" id="{DE7BBB0B-A20B-8544-83F3-4B2E0F7BF6DD}"/>
+              </a:ext>
+            </a:extLst>
+          </p:cNvPr>
+          <p:cNvSpPr txBox="1"/>
+          <p:nvPr/>
+        </p:nvSpPr>
+        <p:spPr>
+          <a:xfrm>
+            <a:off x="8603311" y="4603805"/>
+            <a:ext cx="540689" cy="369332"/>
+          </a:xfrm>
+          <a:prstGeom prst="rect">
+            <a:avLst/>
+          </a:prstGeom>
+          <a:noFill/>
+        </p:spPr>
+        <p:txBody>
+          <a:bodyPr wrap="square" rtlCol="0">
+            <a:spAutoFit/>
+          </a:bodyPr>
+          <a:lstStyle/>
+          <a:p>
+            <a:r>
+              <a:rPr lang="ru-RU" dirty="0"/>
+              <a:t>7</a:t>
+            </a:r>
+          </a:p>
+        </p:txBody>
+      </p:sp>
+      <p:sp>
+        <p:nvSpPr>
+          <p:cNvPr id="5" name="Title 1">
+            <a:extLst>
+              <a:ext uri="{FF2B5EF4-FFF2-40B4-BE49-F238E27FC236}">
+                <a16:creationId xmlns:a16="http://schemas.microsoft.com/office/drawing/2014/main" id="{E2D29D9E-AE26-C044-984E-06C48CEE051D}"/>
+              </a:ext>
+            </a:extLst>
+          </p:cNvPr>
+          <p:cNvSpPr txBox="1">
+            <a:spLocks/>
+          </p:cNvSpPr>
+          <p:nvPr/>
+        </p:nvSpPr>
+        <p:spPr>
+          <a:xfrm>
+            <a:off x="457200" y="753214"/>
+            <a:ext cx="6273934" cy="620483"/>
+          </a:xfrm>
+          <a:prstGeom prst="rect">
+            <a:avLst/>
+          </a:prstGeom>
+        </p:spPr>
+        <p:txBody>
+          <a:bodyPr vert="horz" lIns="91440" tIns="45720" rIns="91440" bIns="45720" rtlCol="0" anchor="b">
+            <a:normAutofit/>
+          </a:bodyPr>
+          <a:lstStyle>
+            <a:lvl1pPr algn="l" defTabSz="457200" rtl="0" eaLnBrk="1" latinLnBrk="0" hangingPunct="1">
+              <a:spcBef>
+                <a:spcPct val="0"/>
+              </a:spcBef>
+              <a:buNone/>
+              <a:defRPr sz="3200" b="0" i="0" kern="1200" baseline="0">
+                <a:solidFill>
+                  <a:schemeClr val="tx1"/>
+                </a:solidFill>
+                <a:latin typeface="+mj-lt"/>
+                <a:ea typeface="+mj-ea"/>
+                <a:cs typeface="+mj-cs"/>
+              </a:defRPr>
+            </a:lvl1pPr>
+          </a:lstStyle>
+          <a:p>
+            <a:r>
+              <a:rPr lang="ru-RU" b="1" dirty="0">
+                <a:solidFill>
+                  <a:srgbClr val="000000"/>
+                </a:solidFill>
+              </a:rPr>
+              <a:t>Технические решения</a:t>
+            </a:r>
+            <a:endParaRPr lang="en-US" b="1" dirty="0">
+              <a:solidFill>
+                <a:srgbClr val="000000"/>
+              </a:solidFill>
+            </a:endParaRPr>
+          </a:p>
+        </p:txBody>
+      </p:sp>
+      <p:pic>
+        <p:nvPicPr>
+          <p:cNvPr id="5122" name="Picture 2" descr="STM32F407 Discovery / Купить в Москве и СПБ с доставкой по России / Амперка">
+            <a:extLst>
+              <a:ext uri="{FF2B5EF4-FFF2-40B4-BE49-F238E27FC236}">
+                <a16:creationId xmlns:a16="http://schemas.microsoft.com/office/drawing/2014/main" id="{0C825B22-FFD9-5745-A2BD-F541FFF00E8D}"/>
+              </a:ext>
+            </a:extLst>
+          </p:cNvPr>
+          <p:cNvPicPr>
+            <a:picLocks noChangeAspect="1" noChangeArrowheads="1"/>
+          </p:cNvPicPr>
+          <p:nvPr/>
+        </p:nvPicPr>
+        <p:blipFill>
+          <a:blip r:embed="rId2">
+            <a:extLst>
+              <a:ext uri="{28A0092B-C50C-407E-A947-70E740481C1C}">
+                <a14:useLocalDpi xmlns:a14="http://schemas.microsoft.com/office/drawing/2010/main" val="0"/>
+              </a:ext>
+            </a:extLst>
+          </a:blip>
+          <a:srcRect/>
+          <a:stretch>
+            <a:fillRect/>
+          </a:stretch>
+        </p:blipFill>
+        <p:spPr bwMode="auto">
+          <a:xfrm>
+            <a:off x="520809" y="1499389"/>
+            <a:ext cx="2747177" cy="1546629"/>
+          </a:xfrm>
+          <a:prstGeom prst="rect">
+            <a:avLst/>
+          </a:prstGeom>
+          <a:noFill/>
+          <a:extLst>
+            <a:ext uri="{909E8E84-426E-40DD-AFC4-6F175D3DCCD1}">
+              <a14:hiddenFill xmlns:a14="http://schemas.microsoft.com/office/drawing/2010/main">
+                <a:solidFill>
+                  <a:srgbClr val="FFFFFF"/>
+                </a:solidFill>
+              </a14:hiddenFill>
+            </a:ext>
+          </a:extLst>
+        </p:spPr>
+      </p:pic>
+      <p:sp>
+        <p:nvSpPr>
+          <p:cNvPr id="7" name="Text Placeholder 2">
+            <a:extLst>
+              <a:ext uri="{FF2B5EF4-FFF2-40B4-BE49-F238E27FC236}">
+                <a16:creationId xmlns:a16="http://schemas.microsoft.com/office/drawing/2014/main" id="{D2651D9D-F78F-964A-A58A-0EC6570C2F5A}"/>
+              </a:ext>
+            </a:extLst>
+          </p:cNvPr>
+          <p:cNvSpPr>
+            <a:spLocks noGrp="1"/>
+          </p:cNvSpPr>
+          <p:nvPr>
+            <p:ph type="body" sz="quarter" idx="10"/>
+          </p:nvPr>
+        </p:nvSpPr>
+        <p:spPr>
+          <a:xfrm>
+            <a:off x="3267986" y="1499389"/>
+            <a:ext cx="4440804" cy="1072361"/>
+          </a:xfrm>
+        </p:spPr>
+        <p:txBody>
+          <a:bodyPr>
+            <a:noAutofit/>
+          </a:bodyPr>
+          <a:lstStyle/>
+          <a:p>
+            <a:pPr algn="just"/>
+            <a:r>
+              <a:rPr lang="ru-RU" sz="2000" dirty="0">
+                <a:solidFill>
+                  <a:srgbClr val="000000"/>
+                </a:solidFill>
+              </a:rPr>
+              <a:t>Вычислительный модуль для стенда — отладочная плата</a:t>
+            </a:r>
+            <a:r>
+              <a:rPr lang="en-US" sz="2000" dirty="0">
+                <a:solidFill>
+                  <a:srgbClr val="000000"/>
+                </a:solidFill>
+              </a:rPr>
+              <a:t> STM32F4Discovery (STM32F407G-DISC1).</a:t>
+            </a:r>
+            <a:endParaRPr lang="ru-RU" sz="2000" dirty="0">
+              <a:solidFill>
+                <a:srgbClr val="000000"/>
+              </a:solidFill>
+            </a:endParaRPr>
+          </a:p>
+        </p:txBody>
+      </p:sp>
+      <p:pic>
+        <p:nvPicPr>
+          <p:cNvPr id="2" name="Рисунок 1">
+            <a:extLst>
+              <a:ext uri="{FF2B5EF4-FFF2-40B4-BE49-F238E27FC236}">
+                <a16:creationId xmlns:a16="http://schemas.microsoft.com/office/drawing/2014/main" id="{F3D48CD3-4CD0-4E45-9484-B5EC185410C8}"/>
+              </a:ext>
+            </a:extLst>
+          </p:cNvPr>
+          <p:cNvPicPr>
+            <a:picLocks noChangeAspect="1"/>
+          </p:cNvPicPr>
+          <p:nvPr/>
+        </p:nvPicPr>
+        <p:blipFill>
+          <a:blip r:embed="rId3"/>
+          <a:stretch>
+            <a:fillRect/>
+          </a:stretch>
+        </p:blipFill>
+        <p:spPr>
+          <a:xfrm>
+            <a:off x="6383131" y="3186209"/>
+            <a:ext cx="1325659" cy="1325659"/>
+          </a:xfrm>
+          <a:prstGeom prst="rect">
+            <a:avLst/>
+          </a:prstGeom>
+        </p:spPr>
+      </p:pic>
+      <p:sp>
+        <p:nvSpPr>
+          <p:cNvPr id="8" name="Text Placeholder 2">
+            <a:extLst>
+              <a:ext uri="{FF2B5EF4-FFF2-40B4-BE49-F238E27FC236}">
+                <a16:creationId xmlns:a16="http://schemas.microsoft.com/office/drawing/2014/main" id="{B2BF2F11-10A3-9240-B989-38835CEEEFE3}"/>
+              </a:ext>
+            </a:extLst>
+          </p:cNvPr>
+          <p:cNvSpPr txBox="1">
+            <a:spLocks/>
+          </p:cNvSpPr>
+          <p:nvPr/>
+        </p:nvSpPr>
+        <p:spPr>
+          <a:xfrm>
+            <a:off x="1822174" y="3538796"/>
+            <a:ext cx="4440804" cy="754908"/>
+          </a:xfrm>
+          <a:prstGeom prst="rect">
+            <a:avLst/>
+          </a:prstGeom>
+        </p:spPr>
+        <p:txBody>
+          <a:bodyPr vert="horz" lIns="91440" tIns="45720" rIns="91440" bIns="45720" rtlCol="0">
+            <a:noAutofit/>
+          </a:bodyPr>
+          <a:lstStyle>
+            <a:lvl1pPr marL="0" indent="0" algn="l" defTabSz="457200" rtl="0" eaLnBrk="1" latinLnBrk="0" hangingPunct="1">
+              <a:spcBef>
+                <a:spcPct val="20000"/>
+              </a:spcBef>
+              <a:buSzPct val="100000"/>
+              <a:buFontTx/>
+              <a:buNone/>
+              <a:defRPr sz="1600" kern="1200">
+                <a:solidFill>
+                  <a:schemeClr val="tx1"/>
+                </a:solidFill>
+                <a:latin typeface="+mn-lt"/>
+                <a:ea typeface="+mn-ea"/>
+                <a:cs typeface="+mn-cs"/>
+              </a:defRPr>
+            </a:lvl1pPr>
+            <a:lvl2pPr marL="457200" indent="0" algn="l" defTabSz="457200" rtl="0" eaLnBrk="1" latinLnBrk="0" hangingPunct="1">
+              <a:spcBef>
+                <a:spcPct val="20000"/>
+              </a:spcBef>
+              <a:buFontTx/>
+              <a:buNone/>
+              <a:defRPr sz="2000" kern="1200">
+                <a:solidFill>
+                  <a:schemeClr val="tx1"/>
+                </a:solidFill>
+                <a:latin typeface="+mn-lt"/>
+                <a:ea typeface="+mn-ea"/>
+                <a:cs typeface="+mn-cs"/>
+              </a:defRPr>
+            </a:lvl2pPr>
+            <a:lvl3pPr marL="914400" indent="0" algn="l" defTabSz="457200" rtl="0" eaLnBrk="1" latinLnBrk="0" hangingPunct="1">
+              <a:spcBef>
+                <a:spcPct val="20000"/>
+              </a:spcBef>
+              <a:buFontTx/>
+              <a:buNone/>
+              <a:defRPr sz="1600" kern="1200">
+                <a:solidFill>
+                  <a:schemeClr val="tx1"/>
+                </a:solidFill>
+                <a:latin typeface="+mn-lt"/>
+                <a:ea typeface="+mn-ea"/>
+                <a:cs typeface="+mn-cs"/>
+              </a:defRPr>
+            </a:lvl3pPr>
+            <a:lvl4pPr marL="1371600" indent="0" algn="l" defTabSz="457200" rtl="0" eaLnBrk="1" latinLnBrk="0" hangingPunct="1">
+              <a:spcBef>
+                <a:spcPct val="20000"/>
+              </a:spcBef>
+              <a:buFontTx/>
+              <a:buNone/>
+              <a:defRPr sz="1600" kern="1200">
+                <a:solidFill>
+                  <a:schemeClr val="tx1"/>
+                </a:solidFill>
+                <a:latin typeface="+mn-lt"/>
+                <a:ea typeface="+mn-ea"/>
+                <a:cs typeface="+mn-cs"/>
+              </a:defRPr>
+            </a:lvl4pPr>
+            <a:lvl5pPr marL="1828800" indent="0" algn="l" defTabSz="457200" rtl="0" eaLnBrk="1" latinLnBrk="0" hangingPunct="1">
+              <a:spcBef>
+                <a:spcPct val="20000"/>
+              </a:spcBef>
+              <a:buFontTx/>
+              <a:buNone/>
+              <a:defRPr sz="1600" kern="1200">
+                <a:solidFill>
+                  <a:schemeClr val="tx1"/>
+                </a:solidFill>
+                <a:latin typeface="+mn-lt"/>
+                <a:ea typeface="+mn-ea"/>
+                <a:cs typeface="+mn-cs"/>
+              </a:defRPr>
+            </a:lvl5pPr>
+            <a:lvl6pPr marL="2514600" indent="-228600" algn="l" defTabSz="457200" rtl="0" eaLnBrk="1" latinLnBrk="0" hangingPunct="1">
+              <a:spcBef>
+                <a:spcPct val="20000"/>
+              </a:spcBef>
+              <a:buFont typeface="Arial"/>
+              <a:buChar char="•"/>
+              <a:defRPr sz="2000" kern="1200">
+                <a:solidFill>
+                  <a:schemeClr val="tx1"/>
+                </a:solidFill>
+                <a:latin typeface="+mn-lt"/>
+                <a:ea typeface="+mn-ea"/>
+                <a:cs typeface="+mn-cs"/>
+              </a:defRPr>
+            </a:lvl6pPr>
+            <a:lvl7pPr marL="2971800" indent="-228600" algn="l" defTabSz="457200" rtl="0" eaLnBrk="1" latinLnBrk="0" hangingPunct="1">
+              <a:spcBef>
+                <a:spcPct val="20000"/>
+              </a:spcBef>
+              <a:buFont typeface="Arial"/>
+              <a:buChar char="•"/>
+              <a:defRPr sz="2000" kern="1200">
+                <a:solidFill>
+                  <a:schemeClr val="tx1"/>
+                </a:solidFill>
+                <a:latin typeface="+mn-lt"/>
+                <a:ea typeface="+mn-ea"/>
+                <a:cs typeface="+mn-cs"/>
+              </a:defRPr>
+            </a:lvl7pPr>
+            <a:lvl8pPr marL="3429000" indent="-228600" algn="l" defTabSz="457200" rtl="0" eaLnBrk="1" latinLnBrk="0" hangingPunct="1">
+              <a:spcBef>
+                <a:spcPct val="20000"/>
+              </a:spcBef>
+              <a:buFont typeface="Arial"/>
+              <a:buChar char="•"/>
+              <a:defRPr sz="2000" kern="1200">
+                <a:solidFill>
+                  <a:schemeClr val="tx1"/>
+                </a:solidFill>
+                <a:latin typeface="+mn-lt"/>
+                <a:ea typeface="+mn-ea"/>
+                <a:cs typeface="+mn-cs"/>
+              </a:defRPr>
+            </a:lvl8pPr>
+            <a:lvl9pPr marL="3886200" indent="-228600" algn="l" defTabSz="457200" rtl="0" eaLnBrk="1" latinLnBrk="0" hangingPunct="1">
+              <a:spcBef>
+                <a:spcPct val="20000"/>
+              </a:spcBef>
+              <a:buFont typeface="Arial"/>
+              <a:buChar char="•"/>
+              <a:defRPr sz="2000" kern="1200">
+                <a:solidFill>
+                  <a:schemeClr val="tx1"/>
+                </a:solidFill>
+                <a:latin typeface="+mn-lt"/>
+                <a:ea typeface="+mn-ea"/>
+                <a:cs typeface="+mn-cs"/>
+              </a:defRPr>
+            </a:lvl9pPr>
+          </a:lstStyle>
+          <a:p>
+            <a:pPr algn="just"/>
+            <a:r>
+              <a:rPr lang="ru-RU" sz="2000" dirty="0">
+                <a:solidFill>
+                  <a:srgbClr val="000000"/>
+                </a:solidFill>
+              </a:rPr>
+              <a:t>Датчик положения угла ротора — магнитный </a:t>
+            </a:r>
+            <a:r>
+              <a:rPr lang="ru-RU" sz="2000" dirty="0" err="1">
+                <a:solidFill>
+                  <a:srgbClr val="000000"/>
+                </a:solidFill>
+              </a:rPr>
+              <a:t>энкодер</a:t>
+            </a:r>
+            <a:r>
+              <a:rPr lang="ru-RU" sz="2000" dirty="0">
+                <a:solidFill>
+                  <a:srgbClr val="000000"/>
+                </a:solidFill>
+              </a:rPr>
+              <a:t> </a:t>
+            </a:r>
+            <a:r>
+              <a:rPr lang="en-US" sz="2000" dirty="0">
+                <a:solidFill>
+                  <a:srgbClr val="000000"/>
+                </a:solidFill>
+              </a:rPr>
+              <a:t>AS5084A</a:t>
+            </a:r>
+            <a:r>
+              <a:rPr lang="ru-RU" sz="2000" dirty="0">
+                <a:solidFill>
+                  <a:srgbClr val="000000"/>
+                </a:solidFill>
+              </a:rPr>
+              <a:t>.</a:t>
+            </a:r>
+          </a:p>
+        </p:txBody>
+      </p:sp>
+    </p:spTree>
+    <p:extLst>
+      <p:ext uri="{BB962C8B-B14F-4D97-AF65-F5344CB8AC3E}">
+        <p14:creationId xmlns:p14="http://schemas.microsoft.com/office/powerpoint/2010/main" val="1459973176"/>
+      </p:ext>
+    </p:extLst>
+  </p:cSld>
+  <p:clrMapOvr>
+    <a:masterClrMapping/>
+  </p:clrMapOvr>
+</p:sld>
+</file>
+
+<file path=ppt/slides/slide8.xml><?xml version="1.0" encoding="utf-8"?>
+<p:sld xmlns:a="http://schemas.openxmlformats.org/drawingml/2006/main" xmlns:r="http://schemas.openxmlformats.org/officeDocument/2006/relationships" xmlns:p="http://schemas.openxmlformats.org/presentationml/2006/main">
+  <p:cSld>
+    <p:spTree>
+      <p:nvGrpSpPr>
+        <p:cNvPr id="1" name=""/>
+        <p:cNvGrpSpPr/>
+        <p:nvPr/>
+      </p:nvGrpSpPr>
+      <p:grpSpPr>
+        <a:xfrm>
+          <a:off x="0" y="0"/>
+          <a:ext cx="0" cy="0"/>
+          <a:chOff x="0" y="0"/>
+          <a:chExt cx="0" cy="0"/>
+        </a:xfrm>
+      </p:grpSpPr>
+      <p:sp>
+        <p:nvSpPr>
+          <p:cNvPr id="4" name="TextBox 3">
+            <a:extLst>
+              <a:ext uri="{FF2B5EF4-FFF2-40B4-BE49-F238E27FC236}">
+                <a16:creationId xmlns:a16="http://schemas.microsoft.com/office/drawing/2014/main" id="{DE7BBB0B-A20B-8544-83F3-4B2E0F7BF6DD}"/>
+              </a:ext>
+            </a:extLst>
+          </p:cNvPr>
+          <p:cNvSpPr txBox="1"/>
+          <p:nvPr/>
+        </p:nvSpPr>
+        <p:spPr>
+          <a:xfrm>
+            <a:off x="8603311" y="4603805"/>
+            <a:ext cx="540689" cy="369332"/>
+          </a:xfrm>
+          <a:prstGeom prst="rect">
+            <a:avLst/>
+          </a:prstGeom>
+          <a:noFill/>
+        </p:spPr>
+        <p:txBody>
+          <a:bodyPr wrap="square" rtlCol="0">
+            <a:spAutoFit/>
+          </a:bodyPr>
+          <a:lstStyle/>
+          <a:p>
+            <a:r>
+              <a:rPr lang="ru-RU" dirty="0"/>
+              <a:t>7</a:t>
+            </a:r>
+          </a:p>
+        </p:txBody>
+      </p:sp>
+      <p:sp>
+        <p:nvSpPr>
+          <p:cNvPr id="5" name="Title 1">
+            <a:extLst>
+              <a:ext uri="{FF2B5EF4-FFF2-40B4-BE49-F238E27FC236}">
+                <a16:creationId xmlns:a16="http://schemas.microsoft.com/office/drawing/2014/main" id="{E2D29D9E-AE26-C044-984E-06C48CEE051D}"/>
+              </a:ext>
+            </a:extLst>
+          </p:cNvPr>
+          <p:cNvSpPr txBox="1">
+            <a:spLocks/>
+          </p:cNvSpPr>
+          <p:nvPr/>
+        </p:nvSpPr>
+        <p:spPr>
+          <a:xfrm>
+            <a:off x="457200" y="753214"/>
+            <a:ext cx="6273934" cy="620483"/>
+          </a:xfrm>
+          <a:prstGeom prst="rect">
+            <a:avLst/>
+          </a:prstGeom>
+        </p:spPr>
+        <p:txBody>
+          <a:bodyPr vert="horz" lIns="91440" tIns="45720" rIns="91440" bIns="45720" rtlCol="0" anchor="b">
+            <a:normAutofit/>
+          </a:bodyPr>
+          <a:lstStyle>
+            <a:lvl1pPr algn="l" defTabSz="457200" rtl="0" eaLnBrk="1" latinLnBrk="0" hangingPunct="1">
+              <a:spcBef>
+                <a:spcPct val="0"/>
+              </a:spcBef>
+              <a:buNone/>
+              <a:defRPr sz="3200" b="0" i="0" kern="1200" baseline="0">
+                <a:solidFill>
+                  <a:schemeClr val="tx1"/>
+                </a:solidFill>
+                <a:latin typeface="+mj-lt"/>
+                <a:ea typeface="+mj-ea"/>
+                <a:cs typeface="+mj-cs"/>
+              </a:defRPr>
+            </a:lvl1pPr>
+          </a:lstStyle>
+          <a:p>
+            <a:r>
+              <a:rPr lang="ru-RU" b="1" dirty="0">
+                <a:solidFill>
+                  <a:srgbClr val="000000"/>
+                </a:solidFill>
+              </a:rPr>
+              <a:t>Технические решения</a:t>
+            </a:r>
+            <a:endParaRPr lang="en-US" b="1" dirty="0">
+              <a:solidFill>
+                <a:srgbClr val="000000"/>
+              </a:solidFill>
+            </a:endParaRPr>
+          </a:p>
+        </p:txBody>
+      </p:sp>
+      <p:pic>
+        <p:nvPicPr>
+          <p:cNvPr id="5122" name="Picture 2" descr="STM32F407 Discovery / Купить в Москве и СПБ с доставкой по России / Амперка">
+            <a:extLst>
+              <a:ext uri="{FF2B5EF4-FFF2-40B4-BE49-F238E27FC236}">
+                <a16:creationId xmlns:a16="http://schemas.microsoft.com/office/drawing/2014/main" id="{0C825B22-FFD9-5745-A2BD-F541FFF00E8D}"/>
+              </a:ext>
+            </a:extLst>
+          </p:cNvPr>
+          <p:cNvPicPr>
+            <a:picLocks noChangeAspect="1" noChangeArrowheads="1"/>
+          </p:cNvPicPr>
+          <p:nvPr/>
+        </p:nvPicPr>
+        <p:blipFill>
+          <a:blip r:embed="rId2">
+            <a:extLst>
+              <a:ext uri="{28A0092B-C50C-407E-A947-70E740481C1C}">
+                <a14:useLocalDpi xmlns:a14="http://schemas.microsoft.com/office/drawing/2010/main" val="0"/>
+              </a:ext>
+            </a:extLst>
+          </a:blip>
+          <a:srcRect/>
+          <a:stretch>
+            <a:fillRect/>
+          </a:stretch>
+        </p:blipFill>
+        <p:spPr bwMode="auto">
+          <a:xfrm>
+            <a:off x="520809" y="1499389"/>
+            <a:ext cx="2747177" cy="1546629"/>
+          </a:xfrm>
+          <a:prstGeom prst="rect">
+            <a:avLst/>
+          </a:prstGeom>
+          <a:noFill/>
+          <a:extLst>
+            <a:ext uri="{909E8E84-426E-40DD-AFC4-6F175D3DCCD1}">
+              <a14:hiddenFill xmlns:a14="http://schemas.microsoft.com/office/drawing/2010/main">
+                <a:solidFill>
+                  <a:srgbClr val="FFFFFF"/>
+                </a:solidFill>
+              </a14:hiddenFill>
+            </a:ext>
+          </a:extLst>
+        </p:spPr>
+      </p:pic>
+      <p:sp>
+        <p:nvSpPr>
+          <p:cNvPr id="7" name="Text Placeholder 2">
+            <a:extLst>
+              <a:ext uri="{FF2B5EF4-FFF2-40B4-BE49-F238E27FC236}">
+                <a16:creationId xmlns:a16="http://schemas.microsoft.com/office/drawing/2014/main" id="{D2651D9D-F78F-964A-A58A-0EC6570C2F5A}"/>
+              </a:ext>
+            </a:extLst>
+          </p:cNvPr>
+          <p:cNvSpPr>
+            <a:spLocks noGrp="1"/>
+          </p:cNvSpPr>
+          <p:nvPr>
+            <p:ph type="body" sz="quarter" idx="10"/>
+          </p:nvPr>
+        </p:nvSpPr>
+        <p:spPr>
+          <a:xfrm>
+            <a:off x="3267986" y="1499389"/>
+            <a:ext cx="4440804" cy="620483"/>
+          </a:xfrm>
+        </p:spPr>
+        <p:txBody>
+          <a:bodyPr>
+            <a:noAutofit/>
+          </a:bodyPr>
+          <a:lstStyle/>
+          <a:p>
+            <a:pPr algn="just"/>
+            <a:r>
+              <a:rPr lang="ru-RU" sz="2000" dirty="0">
+                <a:solidFill>
+                  <a:srgbClr val="000000"/>
+                </a:solidFill>
+              </a:rPr>
+              <a:t>Вычислительный модуль для стенда — отладочная плата</a:t>
+            </a:r>
+            <a:r>
+              <a:rPr lang="en-US" sz="2000" dirty="0">
+                <a:solidFill>
+                  <a:srgbClr val="000000"/>
+                </a:solidFill>
+              </a:rPr>
+              <a:t> STM32F4Discovery (STM32F407G-DISC1).</a:t>
+            </a:r>
+            <a:endParaRPr lang="ru-RU" sz="2000" dirty="0">
+              <a:solidFill>
+                <a:srgbClr val="000000"/>
+              </a:solidFill>
+            </a:endParaRPr>
+          </a:p>
+        </p:txBody>
+      </p:sp>
+      <p:pic>
+        <p:nvPicPr>
+          <p:cNvPr id="2" name="Рисунок 1">
+            <a:extLst>
+              <a:ext uri="{FF2B5EF4-FFF2-40B4-BE49-F238E27FC236}">
+                <a16:creationId xmlns:a16="http://schemas.microsoft.com/office/drawing/2014/main" id="{F3D48CD3-4CD0-4E45-9484-B5EC185410C8}"/>
+              </a:ext>
+            </a:extLst>
+          </p:cNvPr>
+          <p:cNvPicPr>
+            <a:picLocks noChangeAspect="1"/>
+          </p:cNvPicPr>
+          <p:nvPr/>
+        </p:nvPicPr>
+        <p:blipFill>
+          <a:blip r:embed="rId3"/>
+          <a:stretch>
+            <a:fillRect/>
+          </a:stretch>
+        </p:blipFill>
+        <p:spPr>
+          <a:xfrm>
+            <a:off x="6383131" y="3186209"/>
+            <a:ext cx="1325659" cy="1325659"/>
+          </a:xfrm>
+          <a:prstGeom prst="rect">
+            <a:avLst/>
+          </a:prstGeom>
+        </p:spPr>
+      </p:pic>
+      <p:sp>
+        <p:nvSpPr>
+          <p:cNvPr id="8" name="Text Placeholder 2">
+            <a:extLst>
+              <a:ext uri="{FF2B5EF4-FFF2-40B4-BE49-F238E27FC236}">
+                <a16:creationId xmlns:a16="http://schemas.microsoft.com/office/drawing/2014/main" id="{B2BF2F11-10A3-9240-B989-38835CEEEFE3}"/>
+              </a:ext>
+            </a:extLst>
+          </p:cNvPr>
+          <p:cNvSpPr txBox="1">
+            <a:spLocks/>
+          </p:cNvSpPr>
+          <p:nvPr/>
+        </p:nvSpPr>
+        <p:spPr>
+          <a:xfrm>
+            <a:off x="1822174" y="3538796"/>
+            <a:ext cx="4440804" cy="620483"/>
+          </a:xfrm>
+          <a:prstGeom prst="rect">
+            <a:avLst/>
+          </a:prstGeom>
+        </p:spPr>
+        <p:txBody>
+          <a:bodyPr vert="horz" lIns="91440" tIns="45720" rIns="91440" bIns="45720" rtlCol="0">
+            <a:noAutofit/>
+          </a:bodyPr>
+          <a:lstStyle>
+            <a:lvl1pPr marL="0" indent="0" algn="l" defTabSz="457200" rtl="0" eaLnBrk="1" latinLnBrk="0" hangingPunct="1">
+              <a:spcBef>
+                <a:spcPct val="20000"/>
+              </a:spcBef>
+              <a:buSzPct val="100000"/>
+              <a:buFontTx/>
+              <a:buNone/>
+              <a:defRPr sz="1600" kern="1200">
+                <a:solidFill>
+                  <a:schemeClr val="tx1"/>
+                </a:solidFill>
+                <a:latin typeface="+mn-lt"/>
+                <a:ea typeface="+mn-ea"/>
+                <a:cs typeface="+mn-cs"/>
+              </a:defRPr>
+            </a:lvl1pPr>
+            <a:lvl2pPr marL="457200" indent="0" algn="l" defTabSz="457200" rtl="0" eaLnBrk="1" latinLnBrk="0" hangingPunct="1">
+              <a:spcBef>
+                <a:spcPct val="20000"/>
+              </a:spcBef>
+              <a:buFontTx/>
+              <a:buNone/>
+              <a:defRPr sz="2000" kern="1200">
+                <a:solidFill>
+                  <a:schemeClr val="tx1"/>
+                </a:solidFill>
+                <a:latin typeface="+mn-lt"/>
+                <a:ea typeface="+mn-ea"/>
+                <a:cs typeface="+mn-cs"/>
+              </a:defRPr>
+            </a:lvl2pPr>
+            <a:lvl3pPr marL="914400" indent="0" algn="l" defTabSz="457200" rtl="0" eaLnBrk="1" latinLnBrk="0" hangingPunct="1">
+              <a:spcBef>
+                <a:spcPct val="20000"/>
+              </a:spcBef>
+              <a:buFontTx/>
+              <a:buNone/>
+              <a:defRPr sz="1600" kern="1200">
+                <a:solidFill>
+                  <a:schemeClr val="tx1"/>
+                </a:solidFill>
+                <a:latin typeface="+mn-lt"/>
+                <a:ea typeface="+mn-ea"/>
+                <a:cs typeface="+mn-cs"/>
+              </a:defRPr>
+            </a:lvl3pPr>
+            <a:lvl4pPr marL="1371600" indent="0" algn="l" defTabSz="457200" rtl="0" eaLnBrk="1" latinLnBrk="0" hangingPunct="1">
+              <a:spcBef>
+                <a:spcPct val="20000"/>
+              </a:spcBef>
+              <a:buFontTx/>
+              <a:buNone/>
+              <a:defRPr sz="1600" kern="1200">
+                <a:solidFill>
+                  <a:schemeClr val="tx1"/>
+                </a:solidFill>
+                <a:latin typeface="+mn-lt"/>
+                <a:ea typeface="+mn-ea"/>
+                <a:cs typeface="+mn-cs"/>
+              </a:defRPr>
+            </a:lvl4pPr>
+            <a:lvl5pPr marL="1828800" indent="0" algn="l" defTabSz="457200" rtl="0" eaLnBrk="1" latinLnBrk="0" hangingPunct="1">
+              <a:spcBef>
+                <a:spcPct val="20000"/>
+              </a:spcBef>
+              <a:buFontTx/>
+              <a:buNone/>
+              <a:defRPr sz="1600" kern="1200">
+                <a:solidFill>
+                  <a:schemeClr val="tx1"/>
+                </a:solidFill>
+                <a:latin typeface="+mn-lt"/>
+                <a:ea typeface="+mn-ea"/>
+                <a:cs typeface="+mn-cs"/>
+              </a:defRPr>
+            </a:lvl5pPr>
+            <a:lvl6pPr marL="2514600" indent="-228600" algn="l" defTabSz="457200" rtl="0" eaLnBrk="1" latinLnBrk="0" hangingPunct="1">
+              <a:spcBef>
+                <a:spcPct val="20000"/>
+              </a:spcBef>
+              <a:buFont typeface="Arial"/>
+              <a:buChar char="•"/>
+              <a:defRPr sz="2000" kern="1200">
+                <a:solidFill>
+                  <a:schemeClr val="tx1"/>
+                </a:solidFill>
+                <a:latin typeface="+mn-lt"/>
+                <a:ea typeface="+mn-ea"/>
+                <a:cs typeface="+mn-cs"/>
+              </a:defRPr>
+            </a:lvl6pPr>
+            <a:lvl7pPr marL="2971800" indent="-228600" algn="l" defTabSz="457200" rtl="0" eaLnBrk="1" latinLnBrk="0" hangingPunct="1">
+              <a:spcBef>
+                <a:spcPct val="20000"/>
+              </a:spcBef>
+              <a:buFont typeface="Arial"/>
+              <a:buChar char="•"/>
+              <a:defRPr sz="2000" kern="1200">
+                <a:solidFill>
+                  <a:schemeClr val="tx1"/>
+                </a:solidFill>
+                <a:latin typeface="+mn-lt"/>
+                <a:ea typeface="+mn-ea"/>
+                <a:cs typeface="+mn-cs"/>
+              </a:defRPr>
+            </a:lvl7pPr>
+            <a:lvl8pPr marL="3429000" indent="-228600" algn="l" defTabSz="457200" rtl="0" eaLnBrk="1" latinLnBrk="0" hangingPunct="1">
+              <a:spcBef>
+                <a:spcPct val="20000"/>
+              </a:spcBef>
+              <a:buFont typeface="Arial"/>
+              <a:buChar char="•"/>
+              <a:defRPr sz="2000" kern="1200">
+                <a:solidFill>
+                  <a:schemeClr val="tx1"/>
+                </a:solidFill>
+                <a:latin typeface="+mn-lt"/>
+                <a:ea typeface="+mn-ea"/>
+                <a:cs typeface="+mn-cs"/>
+              </a:defRPr>
+            </a:lvl8pPr>
+            <a:lvl9pPr marL="3886200" indent="-228600" algn="l" defTabSz="457200" rtl="0" eaLnBrk="1" latinLnBrk="0" hangingPunct="1">
+              <a:spcBef>
+                <a:spcPct val="20000"/>
+              </a:spcBef>
+              <a:buFont typeface="Arial"/>
+              <a:buChar char="•"/>
+              <a:defRPr sz="2000" kern="1200">
+                <a:solidFill>
+                  <a:schemeClr val="tx1"/>
+                </a:solidFill>
+                <a:latin typeface="+mn-lt"/>
+                <a:ea typeface="+mn-ea"/>
+                <a:cs typeface="+mn-cs"/>
+              </a:defRPr>
+            </a:lvl9pPr>
+          </a:lstStyle>
+          <a:p>
+            <a:pPr algn="just"/>
+            <a:r>
+              <a:rPr lang="ru-RU" sz="2000" dirty="0">
+                <a:solidFill>
+                  <a:srgbClr val="000000"/>
+                </a:solidFill>
+              </a:rPr>
+              <a:t>Датчик положения угла ротора — магнитный </a:t>
+            </a:r>
+            <a:r>
+              <a:rPr lang="ru-RU" sz="2000" dirty="0" err="1">
+                <a:solidFill>
+                  <a:srgbClr val="000000"/>
+                </a:solidFill>
+              </a:rPr>
+              <a:t>энкодер</a:t>
+            </a:r>
+            <a:r>
+              <a:rPr lang="ru-RU" sz="2000" dirty="0">
+                <a:solidFill>
+                  <a:srgbClr val="000000"/>
+                </a:solidFill>
+              </a:rPr>
+              <a:t> </a:t>
+            </a:r>
+            <a:r>
+              <a:rPr lang="en-US" sz="2000" dirty="0">
+                <a:solidFill>
+                  <a:srgbClr val="000000"/>
+                </a:solidFill>
+              </a:rPr>
+              <a:t>AS5084A</a:t>
+            </a:r>
+            <a:r>
+              <a:rPr lang="ru-RU" sz="2000" dirty="0">
+                <a:solidFill>
+                  <a:srgbClr val="000000"/>
+                </a:solidFill>
+              </a:rPr>
+              <a:t>.</a:t>
+            </a:r>
+          </a:p>
+        </p:txBody>
+      </p:sp>
+    </p:spTree>
+    <p:extLst>
+      <p:ext uri="{BB962C8B-B14F-4D97-AF65-F5344CB8AC3E}">
+        <p14:creationId xmlns:p14="http://schemas.microsoft.com/office/powerpoint/2010/main" val="2573098011"/>
+      </p:ext>
+    </p:extLst>
+  </p:cSld>
+  <p:clrMapOvr>
+    <a:masterClrMapping/>
+  </p:clrMapOvr>
+</p:sld>
+</file>
+
+<file path=ppt/slides/slide9.xml><?xml version="1.0" encoding="utf-8"?>
+<p:sld xmlns:a="http://schemas.openxmlformats.org/drawingml/2006/main" xmlns:r="http://schemas.openxmlformats.org/officeDocument/2006/relationships" xmlns:p="http://schemas.openxmlformats.org/presentationml/2006/main">
+  <p:cSld>
+    <p:spTree>
+      <p:nvGrpSpPr>
+        <p:cNvPr id="1" name=""/>
+        <p:cNvGrpSpPr/>
+        <p:nvPr/>
+      </p:nvGrpSpPr>
+      <p:grpSpPr>
+        <a:xfrm>
+          <a:off x="0" y="0"/>
+          <a:ext cx="0" cy="0"/>
+          <a:chOff x="0" y="0"/>
+          <a:chExt cx="0" cy="0"/>
+        </a:xfrm>
+      </p:grpSpPr>
+      <p:pic>
+        <p:nvPicPr>
+          <p:cNvPr id="1026" name="Picture 2" descr="C:\Users\deus-ex-mashina\Downloads\5P5A0078 (1).jpg"/>
+          <p:cNvPicPr>
+            <a:picLocks noChangeAspect="1" noChangeArrowheads="1"/>
+          </p:cNvPicPr>
+          <p:nvPr/>
+        </p:nvPicPr>
+        <p:blipFill>
+          <a:blip r:embed="rId2"/>
+          <a:srcRect/>
+          <a:stretch>
+            <a:fillRect/>
+          </a:stretch>
+        </p:blipFill>
+        <p:spPr bwMode="auto">
+          <a:xfrm>
+            <a:off x="-948695" y="-1290763"/>
+            <a:ext cx="10689015" cy="7127459"/>
+          </a:xfrm>
+          <a:prstGeom prst="rect">
+            <a:avLst/>
+          </a:prstGeom>
+          <a:noFill/>
+        </p:spPr>
+      </p:pic>
+      <p:pic>
+        <p:nvPicPr>
+          <p:cNvPr id="2" name="Picture 2" descr="E:\ИТМО\Презентации\Для ппт шаблонов-07.png"/>
+          <p:cNvPicPr>
+            <a:picLocks noChangeAspect="1" noChangeArrowheads="1"/>
+          </p:cNvPicPr>
+          <p:nvPr/>
+        </p:nvPicPr>
+        <p:blipFill>
+          <a:blip r:embed="rId3"/>
+          <a:srcRect/>
+          <a:stretch>
+            <a:fillRect/>
+          </a:stretch>
+        </p:blipFill>
+        <p:spPr bwMode="auto">
+          <a:xfrm>
+            <a:off x="9525" y="4181740"/>
+            <a:ext cx="9150350" cy="957262"/>
+          </a:xfrm>
+          <a:prstGeom prst="rect">
+            <a:avLst/>
+          </a:prstGeom>
+          <a:noFill/>
+        </p:spPr>
+      </p:pic>
+      <p:sp>
+        <p:nvSpPr>
+          <p:cNvPr id="4" name="Title 3"/>
+          <p:cNvSpPr>
+            <a:spLocks noGrp="1"/>
+          </p:cNvSpPr>
+          <p:nvPr>
+            <p:ph type="title"/>
+          </p:nvPr>
+        </p:nvSpPr>
+        <p:spPr>
+          <a:xfrm>
+            <a:off x="5921660" y="4015847"/>
+            <a:ext cx="2749360" cy="644524"/>
+          </a:xfrm>
+          <a:solidFill>
+            <a:schemeClr val="accent1"/>
+          </a:solidFill>
+        </p:spPr>
+        <p:txBody>
+          <a:bodyPr>
+            <a:noAutofit/>
+          </a:bodyPr>
+          <a:lstStyle/>
+          <a:p>
+            <a:pPr algn="r"/>
+            <a:r>
+              <a:rPr lang="ru-RU" sz="3600" dirty="0">
+                <a:solidFill>
+                  <a:schemeClr val="bg1"/>
+                </a:solidFill>
+              </a:rPr>
+              <a:t>ТЕКСТ  ТЕКСТ</a:t>
+            </a:r>
+            <a:endParaRPr lang="en-US" sz="3600" dirty="0">
+              <a:solidFill>
+                <a:schemeClr val="bg1"/>
+              </a:solidFill>
+            </a:endParaRPr>
+          </a:p>
+        </p:txBody>
+      </p:sp>
+      <p:pic>
+        <p:nvPicPr>
+          <p:cNvPr id="1027" name="Picture 3" descr="E:\ИТМО\Презентации\Для ппт шаблонов-09.png"/>
+          <p:cNvPicPr>
+            <a:picLocks noChangeAspect="1" noChangeArrowheads="1"/>
+          </p:cNvPicPr>
+          <p:nvPr/>
+        </p:nvPicPr>
+        <p:blipFill>
+          <a:blip r:embed="rId4"/>
+          <a:srcRect/>
+          <a:stretch>
+            <a:fillRect/>
+          </a:stretch>
+        </p:blipFill>
+        <p:spPr bwMode="auto">
+          <a:xfrm>
+            <a:off x="3175" y="0"/>
+            <a:ext cx="9163050" cy="1231900"/>
+          </a:xfrm>
+          <a:prstGeom prst="rect">
+            <a:avLst/>
+          </a:prstGeom>
+          <a:noFill/>
+        </p:spPr>
+      </p:pic>
+    </p:spTree>
+    <p:extLst>
+      <p:ext uri="{BB962C8B-B14F-4D97-AF65-F5344CB8AC3E}">
+        <p14:creationId xmlns:p14="http://schemas.microsoft.com/office/powerpoint/2010/main" val="1447741309"/>
       </p:ext>
     </p:extLst>
   </p:cSld>
